--- a/assets/img/cv/cv.pptx
+++ b/assets/img/cv/cv.pptx
@@ -126,7 +126,7 @@
 <file path=ppt/revisionInfo.xml><?xml version="1.0" encoding="utf-8"?>
 <p1510:revInfo xmlns:a="http://schemas.openxmlformats.org/drawingml/2006/main" xmlns:r="http://schemas.openxmlformats.org/officeDocument/2006/relationships" xmlns:p1510="http://schemas.microsoft.com/office/powerpoint/2015/10/main">
   <p1510:revLst>
-    <p1510:client id="{730FB7DB-3B49-4175-AA0E-4D5147AE041A}" v="9" dt="2020-11-05T10:02:19.584"/>
+    <p1510:client id="{72363C7E-2E8D-4A07-B2DD-B7E11F0D38A1}" v="2" dt="2021-05-10T09:22:02.238"/>
   </p1510:revLst>
 </p1510:revInfo>
 </file>
@@ -312,6 +312,134 @@
             <pc:docMk/>
             <pc:sldMk cId="360026142" sldId="257"/>
             <ac:cxnSpMk id="123" creationId="{00014DC2-2FED-4291-9B00-CAF18B92B395}"/>
+          </ac:cxnSpMkLst>
+        </pc:cxnChg>
+      </pc:sldChg>
+    </pc:docChg>
+  </pc:docChgLst>
+  <pc:docChgLst>
+    <pc:chgData name="Alexandre Cros" userId="c8f1d5c2-bdc3-4086-b0b9-1200566e78b1" providerId="ADAL" clId="{72363C7E-2E8D-4A07-B2DD-B7E11F0D38A1}"/>
+    <pc:docChg chg="custSel modSld">
+      <pc:chgData name="Alexandre Cros" userId="c8f1d5c2-bdc3-4086-b0b9-1200566e78b1" providerId="ADAL" clId="{72363C7E-2E8D-4A07-B2DD-B7E11F0D38A1}" dt="2021-05-10T09:22:48.949" v="367" actId="1036"/>
+      <pc:docMkLst>
+        <pc:docMk/>
+      </pc:docMkLst>
+      <pc:sldChg chg="addSp modSp mod">
+        <pc:chgData name="Alexandre Cros" userId="c8f1d5c2-bdc3-4086-b0b9-1200566e78b1" providerId="ADAL" clId="{72363C7E-2E8D-4A07-B2DD-B7E11F0D38A1}" dt="2021-05-10T09:22:48.949" v="367" actId="1036"/>
+        <pc:sldMkLst>
+          <pc:docMk/>
+          <pc:sldMk cId="360026142" sldId="257"/>
+        </pc:sldMkLst>
+        <pc:spChg chg="mod">
+          <ac:chgData name="Alexandre Cros" userId="c8f1d5c2-bdc3-4086-b0b9-1200566e78b1" providerId="ADAL" clId="{72363C7E-2E8D-4A07-B2DD-B7E11F0D38A1}" dt="2021-05-10T09:13:52.337" v="12" actId="20577"/>
+          <ac:spMkLst>
+            <pc:docMk/>
+            <pc:sldMk cId="360026142" sldId="257"/>
+            <ac:spMk id="6" creationId="{00000000-0000-0000-0000-000000000000}"/>
+          </ac:spMkLst>
+        </pc:spChg>
+        <pc:spChg chg="mod">
+          <ac:chgData name="Alexandre Cros" userId="c8f1d5c2-bdc3-4086-b0b9-1200566e78b1" providerId="ADAL" clId="{72363C7E-2E8D-4A07-B2DD-B7E11F0D38A1}" dt="2021-05-10T09:17:43.088" v="145"/>
+          <ac:spMkLst>
+            <pc:docMk/>
+            <pc:sldMk cId="360026142" sldId="257"/>
+            <ac:spMk id="73" creationId="{C32AB557-36E1-4AB9-81B8-DEA951E50908}"/>
+          </ac:spMkLst>
+        </pc:spChg>
+        <pc:spChg chg="mod">
+          <ac:chgData name="Alexandre Cros" userId="c8f1d5c2-bdc3-4086-b0b9-1200566e78b1" providerId="ADAL" clId="{72363C7E-2E8D-4A07-B2DD-B7E11F0D38A1}" dt="2021-05-10T09:16:05.602" v="144" actId="1036"/>
+          <ac:spMkLst>
+            <pc:docMk/>
+            <pc:sldMk cId="360026142" sldId="257"/>
+            <ac:spMk id="86" creationId="{00000000-0000-0000-0000-000000000000}"/>
+          </ac:spMkLst>
+        </pc:spChg>
+        <pc:spChg chg="mod">
+          <ac:chgData name="Alexandre Cros" userId="c8f1d5c2-bdc3-4086-b0b9-1200566e78b1" providerId="ADAL" clId="{72363C7E-2E8D-4A07-B2DD-B7E11F0D38A1}" dt="2021-05-10T09:21:44.247" v="312" actId="1076"/>
+          <ac:spMkLst>
+            <pc:docMk/>
+            <pc:sldMk cId="360026142" sldId="257"/>
+            <ac:spMk id="89" creationId="{ABF19F78-F2A5-467E-9BCA-9FFC778137AE}"/>
+          </ac:spMkLst>
+        </pc:spChg>
+        <pc:spChg chg="add mod">
+          <ac:chgData name="Alexandre Cros" userId="c8f1d5c2-bdc3-4086-b0b9-1200566e78b1" providerId="ADAL" clId="{72363C7E-2E8D-4A07-B2DD-B7E11F0D38A1}" dt="2021-05-10T09:22:05.471" v="331" actId="1037"/>
+          <ac:spMkLst>
+            <pc:docMk/>
+            <pc:sldMk cId="360026142" sldId="257"/>
+            <ac:spMk id="107" creationId="{008F1D09-2C5E-4C5B-BEC3-28CF3A669D19}"/>
+          </ac:spMkLst>
+        </pc:spChg>
+        <pc:spChg chg="mod">
+          <ac:chgData name="Alexandre Cros" userId="c8f1d5c2-bdc3-4086-b0b9-1200566e78b1" providerId="ADAL" clId="{72363C7E-2E8D-4A07-B2DD-B7E11F0D38A1}" dt="2021-05-10T09:22:13.441" v="353" actId="1035"/>
+          <ac:spMkLst>
+            <pc:docMk/>
+            <pc:sldMk cId="360026142" sldId="257"/>
+            <ac:spMk id="130" creationId="{FD24B904-DCB2-45C5-AE72-5D236B60977E}"/>
+          </ac:spMkLst>
+        </pc:spChg>
+        <pc:spChg chg="mod">
+          <ac:chgData name="Alexandre Cros" userId="c8f1d5c2-bdc3-4086-b0b9-1200566e78b1" providerId="ADAL" clId="{72363C7E-2E8D-4A07-B2DD-B7E11F0D38A1}" dt="2021-05-10T09:22:48.949" v="367" actId="1036"/>
+          <ac:spMkLst>
+            <pc:docMk/>
+            <pc:sldMk cId="360026142" sldId="257"/>
+            <ac:spMk id="131" creationId="{D01445AB-5E9C-45C7-8CE5-36D7F2064F27}"/>
+          </ac:spMkLst>
+        </pc:spChg>
+        <pc:spChg chg="mod">
+          <ac:chgData name="Alexandre Cros" userId="c8f1d5c2-bdc3-4086-b0b9-1200566e78b1" providerId="ADAL" clId="{72363C7E-2E8D-4A07-B2DD-B7E11F0D38A1}" dt="2021-05-10T09:17:43.088" v="145"/>
+          <ac:spMkLst>
+            <pc:docMk/>
+            <pc:sldMk cId="360026142" sldId="257"/>
+            <ac:spMk id="240" creationId="{00000000-0000-0000-0000-000000000000}"/>
+          </ac:spMkLst>
+        </pc:spChg>
+        <pc:spChg chg="mod">
+          <ac:chgData name="Alexandre Cros" userId="c8f1d5c2-bdc3-4086-b0b9-1200566e78b1" providerId="ADAL" clId="{72363C7E-2E8D-4A07-B2DD-B7E11F0D38A1}" dt="2021-05-10T09:21:13.840" v="284" actId="20577"/>
+          <ac:spMkLst>
+            <pc:docMk/>
+            <pc:sldMk cId="360026142" sldId="257"/>
+            <ac:spMk id="241" creationId="{00000000-0000-0000-0000-000000000000}"/>
+          </ac:spMkLst>
+        </pc:spChg>
+        <pc:grpChg chg="mod">
+          <ac:chgData name="Alexandre Cros" userId="c8f1d5c2-bdc3-4086-b0b9-1200566e78b1" providerId="ADAL" clId="{72363C7E-2E8D-4A07-B2DD-B7E11F0D38A1}" dt="2021-05-10T09:17:43.088" v="145"/>
+          <ac:grpSpMkLst>
+            <pc:docMk/>
+            <pc:sldMk cId="360026142" sldId="257"/>
+            <ac:grpSpMk id="11" creationId="{9FEC4D38-3911-4D9B-89BA-4440F454FF66}"/>
+          </ac:grpSpMkLst>
+        </pc:grpChg>
+        <pc:grpChg chg="mod">
+          <ac:chgData name="Alexandre Cros" userId="c8f1d5c2-bdc3-4086-b0b9-1200566e78b1" providerId="ADAL" clId="{72363C7E-2E8D-4A07-B2DD-B7E11F0D38A1}" dt="2021-05-10T09:21:29.086" v="311" actId="1035"/>
+          <ac:grpSpMkLst>
+            <pc:docMk/>
+            <pc:sldMk cId="360026142" sldId="257"/>
+            <ac:grpSpMk id="29" creationId="{8878391A-7EAE-4EF6-A9B4-B858CBE95557}"/>
+          </ac:grpSpMkLst>
+        </pc:grpChg>
+        <pc:picChg chg="mod">
+          <ac:chgData name="Alexandre Cros" userId="c8f1d5c2-bdc3-4086-b0b9-1200566e78b1" providerId="ADAL" clId="{72363C7E-2E8D-4A07-B2DD-B7E11F0D38A1}" dt="2021-05-10T09:17:43.088" v="145"/>
+          <ac:picMkLst>
+            <pc:docMk/>
+            <pc:sldMk cId="360026142" sldId="257"/>
+            <ac:picMk id="234" creationId="{00000000-0000-0000-0000-000000000000}"/>
+          </ac:picMkLst>
+        </pc:picChg>
+        <pc:picChg chg="mod">
+          <ac:chgData name="Alexandre Cros" userId="c8f1d5c2-bdc3-4086-b0b9-1200566e78b1" providerId="ADAL" clId="{72363C7E-2E8D-4A07-B2DD-B7E11F0D38A1}" dt="2021-05-10T09:17:43.088" v="145"/>
+          <ac:picMkLst>
+            <pc:docMk/>
+            <pc:sldMk cId="360026142" sldId="257"/>
+            <ac:picMk id="235" creationId="{00000000-0000-0000-0000-000000000000}"/>
+          </ac:picMkLst>
+        </pc:picChg>
+        <pc:cxnChg chg="mod">
+          <ac:chgData name="Alexandre Cros" userId="c8f1d5c2-bdc3-4086-b0b9-1200566e78b1" providerId="ADAL" clId="{72363C7E-2E8D-4A07-B2DD-B7E11F0D38A1}" dt="2021-05-10T09:22:26.785" v="354" actId="14100"/>
+          <ac:cxnSpMkLst>
+            <pc:docMk/>
+            <pc:sldMk cId="360026142" sldId="257"/>
+            <ac:cxnSpMk id="80" creationId="{28C1E7E5-B3AE-4B9A-928E-442A9E0B329C}"/>
           </ac:cxnSpMkLst>
         </pc:cxnChg>
       </pc:sldChg>
@@ -1916,7 +2044,7 @@
             <a:fld id="{501F0ABF-A1AA-8A46-9A44-5DA2147EDBE4}" type="datetimeFigureOut">
               <a:rPr lang="fr-FR" smtClean="0"/>
               <a:pPr/>
-              <a:t>05/11/2020</a:t>
+              <a:t>10/05/2021</a:t>
             </a:fld>
             <a:endParaRPr lang="fr-FR" dirty="0"/>
           </a:p>
@@ -2083,7 +2211,7 @@
             <a:fld id="{501F0ABF-A1AA-8A46-9A44-5DA2147EDBE4}" type="datetimeFigureOut">
               <a:rPr lang="fr-FR" smtClean="0"/>
               <a:pPr/>
-              <a:t>05/11/2020</a:t>
+              <a:t>10/05/2021</a:t>
             </a:fld>
             <a:endParaRPr lang="fr-FR" dirty="0"/>
           </a:p>
@@ -2260,7 +2388,7 @@
             <a:fld id="{501F0ABF-A1AA-8A46-9A44-5DA2147EDBE4}" type="datetimeFigureOut">
               <a:rPr lang="fr-FR" smtClean="0"/>
               <a:pPr/>
-              <a:t>05/11/2020</a:t>
+              <a:t>10/05/2021</a:t>
             </a:fld>
             <a:endParaRPr lang="fr-FR" dirty="0"/>
           </a:p>
@@ -2427,7 +2555,7 @@
             <a:fld id="{501F0ABF-A1AA-8A46-9A44-5DA2147EDBE4}" type="datetimeFigureOut">
               <a:rPr lang="fr-FR" smtClean="0"/>
               <a:pPr/>
-              <a:t>05/11/2020</a:t>
+              <a:t>10/05/2021</a:t>
             </a:fld>
             <a:endParaRPr lang="fr-FR" dirty="0"/>
           </a:p>
@@ -2668,7 +2796,7 @@
             <a:fld id="{501F0ABF-A1AA-8A46-9A44-5DA2147EDBE4}" type="datetimeFigureOut">
               <a:rPr lang="fr-FR" smtClean="0"/>
               <a:pPr/>
-              <a:t>05/11/2020</a:t>
+              <a:t>10/05/2021</a:t>
             </a:fld>
             <a:endParaRPr lang="fr-FR" dirty="0"/>
           </a:p>
@@ -2897,7 +3025,7 @@
             <a:fld id="{501F0ABF-A1AA-8A46-9A44-5DA2147EDBE4}" type="datetimeFigureOut">
               <a:rPr lang="fr-FR" smtClean="0"/>
               <a:pPr/>
-              <a:t>05/11/2020</a:t>
+              <a:t>10/05/2021</a:t>
             </a:fld>
             <a:endParaRPr lang="fr-FR" dirty="0"/>
           </a:p>
@@ -3261,7 +3389,7 @@
             <a:fld id="{501F0ABF-A1AA-8A46-9A44-5DA2147EDBE4}" type="datetimeFigureOut">
               <a:rPr lang="fr-FR" smtClean="0"/>
               <a:pPr/>
-              <a:t>05/11/2020</a:t>
+              <a:t>10/05/2021</a:t>
             </a:fld>
             <a:endParaRPr lang="fr-FR" dirty="0"/>
           </a:p>
@@ -3376,7 +3504,7 @@
             <a:fld id="{501F0ABF-A1AA-8A46-9A44-5DA2147EDBE4}" type="datetimeFigureOut">
               <a:rPr lang="fr-FR" smtClean="0"/>
               <a:pPr/>
-              <a:t>05/11/2020</a:t>
+              <a:t>10/05/2021</a:t>
             </a:fld>
             <a:endParaRPr lang="fr-FR" dirty="0"/>
           </a:p>
@@ -3468,7 +3596,7 @@
             <a:fld id="{501F0ABF-A1AA-8A46-9A44-5DA2147EDBE4}" type="datetimeFigureOut">
               <a:rPr lang="fr-FR" smtClean="0"/>
               <a:pPr/>
-              <a:t>05/11/2020</a:t>
+              <a:t>10/05/2021</a:t>
             </a:fld>
             <a:endParaRPr lang="fr-FR" dirty="0"/>
           </a:p>
@@ -3742,7 +3870,7 @@
             <a:fld id="{501F0ABF-A1AA-8A46-9A44-5DA2147EDBE4}" type="datetimeFigureOut">
               <a:rPr lang="fr-FR" smtClean="0"/>
               <a:pPr/>
-              <a:t>05/11/2020</a:t>
+              <a:t>10/05/2021</a:t>
             </a:fld>
             <a:endParaRPr lang="fr-FR" dirty="0"/>
           </a:p>
@@ -3996,7 +4124,7 @@
             <a:fld id="{501F0ABF-A1AA-8A46-9A44-5DA2147EDBE4}" type="datetimeFigureOut">
               <a:rPr lang="fr-FR" smtClean="0"/>
               <a:pPr/>
-              <a:t>05/11/2020</a:t>
+              <a:t>10/05/2021</a:t>
             </a:fld>
             <a:endParaRPr lang="fr-FR" dirty="0"/>
           </a:p>
@@ -4206,7 +4334,7 @@
             <a:fld id="{501F0ABF-A1AA-8A46-9A44-5DA2147EDBE4}" type="datetimeFigureOut">
               <a:rPr lang="fr-FR" smtClean="0"/>
               <a:pPr/>
-              <a:t>05/11/2020</a:t>
+              <a:t>10/05/2021</a:t>
             </a:fld>
             <a:endParaRPr lang="fr-FR" dirty="0"/>
           </a:p>
@@ -5021,8 +5149,8 @@
           </p:nvSpPr>
           <p:spPr>
             <a:xfrm>
-              <a:off x="2059452" y="615204"/>
-              <a:ext cx="3440814" cy="369332"/>
+              <a:off x="1622635" y="615204"/>
+              <a:ext cx="4314451" cy="369332"/>
             </a:xfrm>
             <a:prstGeom prst="rect">
               <a:avLst/>
@@ -5043,7 +5171,7 @@
                   </a:solidFill>
                   <a:latin typeface="+mj-lt"/>
                 </a:rPr>
-                <a:t>Undergraduate software developer</a:t>
+                <a:t>Undergraduate Engineer Software Developer</a:t>
               </a:r>
             </a:p>
           </p:txBody>
@@ -5064,9 +5192,9 @@
         <p:grpSpPr>
           <a:xfrm>
             <a:off x="174177" y="1921761"/>
-            <a:ext cx="1603130" cy="1432097"/>
+            <a:ext cx="1603130" cy="1388847"/>
             <a:chOff x="174177" y="1548381"/>
-            <a:chExt cx="1603130" cy="1432097"/>
+            <a:chExt cx="1603130" cy="1388847"/>
           </a:xfrm>
         </p:grpSpPr>
         <p:sp>
@@ -5077,8 +5205,8 @@
           </p:nvSpPr>
           <p:spPr>
             <a:xfrm>
-              <a:off x="174177" y="1872482"/>
-              <a:ext cx="1603129" cy="1107996"/>
+              <a:off x="174177" y="1967732"/>
+              <a:ext cx="1603129" cy="969496"/>
             </a:xfrm>
             <a:prstGeom prst="rect">
               <a:avLst/>
@@ -5104,7 +5232,7 @@
                   </a:solidFill>
                   <a:latin typeface="+mj-lt"/>
                 </a:rPr>
-                <a:t>Currently preparing a Master’s Degree at the Toulouse National Institute of Applied Sciences (INSA), I am looking for a final IT engineering internship in the exciting field of automotive. I am available for 6 months from February 2021.</a:t>
+                <a:t>Currently ending a Master’s Degree at the Toulouse National Institute of Applied Sciences (INSA), I am enrolled as an undergraduate Engineer Software Developer for Jaguar Land Rover at Shannon, Ireland.</a:t>
               </a:r>
             </a:p>
           </p:txBody>
@@ -5209,10 +5337,10 @@
         </p:nvGrpSpPr>
         <p:grpSpPr>
           <a:xfrm>
-            <a:off x="1943955" y="5954259"/>
-            <a:ext cx="5591628" cy="1797753"/>
+            <a:off x="1943955" y="5782809"/>
+            <a:ext cx="5591628" cy="2075837"/>
             <a:chOff x="1943955" y="4251110"/>
-            <a:chExt cx="5591628" cy="1797753"/>
+            <a:chExt cx="5591628" cy="2075837"/>
           </a:xfrm>
         </p:grpSpPr>
         <p:sp>
@@ -5386,7 +5514,7 @@
           <p:spPr>
             <a:xfrm>
               <a:off x="2268881" y="4541843"/>
-              <a:ext cx="5208877" cy="1477328"/>
+              <a:ext cx="5208877" cy="1785104"/>
             </a:xfrm>
             <a:prstGeom prst="rect">
               <a:avLst/>
@@ -5397,6 +5525,34 @@
               <a:spAutoFit/>
             </a:bodyPr>
             <a:lstStyle/>
+            <a:p>
+              <a:pPr lvl="0" defTabSz="685800">
+                <a:defRPr/>
+              </a:pPr>
+              <a:r>
+                <a:rPr lang="en-US" sz="1000" b="1" dirty="0">
+                  <a:solidFill>
+                    <a:srgbClr val="0070C0"/>
+                  </a:solidFill>
+                  <a:latin typeface="+mj-lt"/>
+                </a:rPr>
+                <a:t>Feb – July 2021 | Internship at Jaguar Land Rover, Shannon, Ireland</a:t>
+              </a:r>
+            </a:p>
+            <a:p>
+              <a:pPr algn="just" defTabSz="685800">
+                <a:defRPr/>
+              </a:pPr>
+              <a:r>
+                <a:rPr lang="en-US" sz="1000" dirty="0">
+                  <a:solidFill>
+                    <a:srgbClr val="595959"/>
+                  </a:solidFill>
+                  <a:latin typeface="+mj-lt"/>
+                </a:rPr>
+                <a:t>Engineer Software Developer for Jaguar Land Rover</a:t>
+              </a:r>
+            </a:p>
             <a:p>
               <a:pPr lvl="0" defTabSz="685800">
                 <a:defRPr/>
@@ -6507,10 +6663,10 @@
         </p:nvGrpSpPr>
         <p:grpSpPr>
           <a:xfrm>
-            <a:off x="1943955" y="2684061"/>
-            <a:ext cx="5591628" cy="3235765"/>
-            <a:chOff x="1943955" y="1262852"/>
-            <a:chExt cx="5591628" cy="3235765"/>
+            <a:off x="1926252" y="2684061"/>
+            <a:ext cx="5591628" cy="3167847"/>
+            <a:chOff x="1926252" y="1262852"/>
+            <a:chExt cx="5591628" cy="3167847"/>
           </a:xfrm>
         </p:grpSpPr>
         <p:sp>
@@ -6527,7 +6683,7 @@
           </p:nvSpPr>
           <p:spPr>
             <a:xfrm>
-              <a:off x="1943955" y="4421887"/>
+              <a:off x="1926252" y="4345157"/>
               <a:ext cx="5591628" cy="76730"/>
             </a:xfrm>
             <a:prstGeom prst="rect">
@@ -6561,7 +6717,7 @@
             <a:lstStyle/>
             <a:p>
               <a:pPr algn="ctr"/>
-              <a:endParaRPr lang="fr-FR" sz="1943">
+              <a:endParaRPr lang="fr-FR" sz="1943" dirty="0">
                 <a:latin typeface="+mj-lt"/>
                 <a:ea typeface="Arial" charset="0"/>
                 <a:cs typeface="Arial" charset="0"/>
@@ -8918,10 +9074,10 @@
         </p:nvGrpSpPr>
         <p:grpSpPr>
           <a:xfrm>
-            <a:off x="2092556" y="6262036"/>
-            <a:ext cx="92124" cy="1368453"/>
-            <a:chOff x="2092556" y="5743876"/>
-            <a:chExt cx="92124" cy="1368453"/>
+            <a:off x="2092556" y="6118351"/>
+            <a:ext cx="92124" cy="1512138"/>
+            <a:chOff x="2092556" y="5600191"/>
+            <a:chExt cx="92124" cy="1512138"/>
           </a:xfrm>
         </p:grpSpPr>
         <p:cxnSp>
@@ -8939,9 +9095,9 @@
             <p:nvPr/>
           </p:nvCxnSpPr>
           <p:spPr>
-            <a:xfrm>
-              <a:off x="2134809" y="5743876"/>
-              <a:ext cx="406" cy="1368453"/>
+            <a:xfrm flipH="1">
+              <a:off x="2135215" y="5600191"/>
+              <a:ext cx="2" cy="1512138"/>
             </a:xfrm>
             <a:prstGeom prst="line">
               <a:avLst/>
@@ -8981,7 +9137,7 @@
           </p:nvSpPr>
           <p:spPr>
             <a:xfrm>
-              <a:off x="2092556" y="5809392"/>
+              <a:off x="2092556" y="5644292"/>
               <a:ext cx="90047" cy="90047"/>
             </a:xfrm>
             <a:prstGeom prst="ellipse">
@@ -9039,7 +9195,7 @@
           </p:nvSpPr>
           <p:spPr>
             <a:xfrm>
-              <a:off x="2094633" y="6568814"/>
+              <a:off x="2094633" y="6708595"/>
               <a:ext cx="90047" cy="90047"/>
             </a:xfrm>
             <a:prstGeom prst="ellipse">
@@ -9075,7 +9231,7 @@
             <a:lstStyle/>
             <a:p>
               <a:pPr algn="ctr"/>
-              <a:endParaRPr lang="fr-FR" sz="1943">
+              <a:endParaRPr lang="fr-FR" sz="1943" dirty="0">
                 <a:latin typeface="+mj-lt"/>
                 <a:ea typeface="Arial" charset="0"/>
                 <a:cs typeface="Arial" charset="0"/>
@@ -10196,6 +10352,64 @@
           </p:txBody>
         </p:sp>
       </p:grpSp>
+      <p:sp>
+        <p:nvSpPr>
+          <p:cNvPr id="107" name="Oval 63">
+            <a:extLst>
+              <a:ext uri="{FF2B5EF4-FFF2-40B4-BE49-F238E27FC236}">
+                <a16:creationId xmlns:a16="http://schemas.microsoft.com/office/drawing/2014/main" id="{008F1D09-2C5E-4C5B-BEC3-28CF3A669D19}"/>
+              </a:ext>
+            </a:extLst>
+          </p:cNvPr>
+          <p:cNvSpPr/>
+          <p:nvPr/>
+        </p:nvSpPr>
+        <p:spPr>
+          <a:xfrm>
+            <a:off x="2092556" y="6479952"/>
+            <a:ext cx="90047" cy="90047"/>
+          </a:xfrm>
+          <a:prstGeom prst="ellipse">
+            <a:avLst/>
+          </a:prstGeom>
+          <a:solidFill>
+            <a:schemeClr val="tx1">
+              <a:lumMod val="75000"/>
+              <a:lumOff val="25000"/>
+            </a:schemeClr>
+          </a:solidFill>
+          <a:ln>
+            <a:noFill/>
+          </a:ln>
+          <a:effectLst/>
+        </p:spPr>
+        <p:style>
+          <a:lnRef idx="1">
+            <a:schemeClr val="accent1"/>
+          </a:lnRef>
+          <a:fillRef idx="3">
+            <a:schemeClr val="accent1"/>
+          </a:fillRef>
+          <a:effectRef idx="2">
+            <a:schemeClr val="accent1"/>
+          </a:effectRef>
+          <a:fontRef idx="minor">
+            <a:schemeClr val="lt1"/>
+          </a:fontRef>
+        </p:style>
+        <p:txBody>
+          <a:bodyPr rtlCol="0" anchor="ctr"/>
+          <a:lstStyle/>
+          <a:p>
+            <a:pPr algn="ctr"/>
+            <a:endParaRPr lang="fr-FR" sz="1943">
+              <a:latin typeface="+mj-lt"/>
+              <a:ea typeface="Arial" charset="0"/>
+              <a:cs typeface="Arial" charset="0"/>
+            </a:endParaRPr>
+          </a:p>
+        </p:txBody>
+      </p:sp>
     </p:spTree>
     <p:extLst>
       <p:ext uri="{BB962C8B-B14F-4D97-AF65-F5344CB8AC3E}">
@@ -10471,21 +10685,6 @@
 </file>
 
 <file path=customXml/item1.xml><?xml version="1.0" encoding="utf-8"?>
-<p:properties xmlns:p="http://schemas.microsoft.com/office/2006/metadata/properties" xmlns:xsi="http://www.w3.org/2001/XMLSchema-instance" xmlns:pc="http://schemas.microsoft.com/office/infopath/2007/PartnerControls">
-  <documentManagement/>
-</p:properties>
-</file>
-
-<file path=customXml/item2.xml><?xml version="1.0" encoding="utf-8"?>
-<?mso-contentType ?>
-<FormTemplates xmlns="http://schemas.microsoft.com/sharepoint/v3/contenttype/forms">
-  <Display>DocumentLibraryForm</Display>
-  <Edit>DocumentLibraryForm</Edit>
-  <New>DocumentLibraryForm</New>
-</FormTemplates>
-</file>
-
-<file path=customXml/item3.xml><?xml version="1.0" encoding="utf-8"?>
 <ct:contentTypeSchema xmlns:ct="http://schemas.microsoft.com/office/2006/metadata/contentType" xmlns:ma="http://schemas.microsoft.com/office/2006/metadata/properties/metaAttributes" ct:_="" ma:_="" ma:contentTypeName="Document" ma:contentTypeID="0x010100C97D7E2F38EDEE41AEFF314FED6B7990" ma:contentTypeVersion="9" ma:contentTypeDescription="Crée un document." ma:contentTypeScope="" ma:versionID="180b248c979ebab90f0f1f9a3cd115c3">
   <xsd:schema xmlns:xsd="http://www.w3.org/2001/XMLSchema" xmlns:xs="http://www.w3.org/2001/XMLSchema" xmlns:p="http://schemas.microsoft.com/office/2006/metadata/properties" xmlns:ns3="5a9da74d-7411-451a-9852-e5933d36d9e1" targetNamespace="http://schemas.microsoft.com/office/2006/metadata/properties" ma:root="true" ma:fieldsID="5f5887fcf7f12cccf0f48985536646a4" ns3:_="">
     <xsd:import namespace="5a9da74d-7411-451a-9852-e5933d36d9e1"/>
@@ -10663,24 +10862,22 @@
 </ct:contentTypeSchema>
 </file>
 
-<file path=customXml/itemProps1.xml><?xml version="1.0" encoding="utf-8"?>
-<ds:datastoreItem xmlns:ds="http://schemas.openxmlformats.org/officeDocument/2006/customXml" ds:itemID="{D08BCB10-588F-4D07-B0A5-77649BC14DB8}">
-  <ds:schemaRefs>
-    <ds:schemaRef ds:uri="http://schemas.microsoft.com/office/2006/metadata/properties"/>
-    <ds:schemaRef ds:uri="http://schemas.microsoft.com/office/infopath/2007/PartnerControls"/>
-  </ds:schemaRefs>
-</ds:datastoreItem>
+<file path=customXml/item2.xml><?xml version="1.0" encoding="utf-8"?>
+<?mso-contentType ?>
+<FormTemplates xmlns="http://schemas.microsoft.com/sharepoint/v3/contenttype/forms">
+  <Display>DocumentLibraryForm</Display>
+  <Edit>DocumentLibraryForm</Edit>
+  <New>DocumentLibraryForm</New>
+</FormTemplates>
 </file>
 
-<file path=customXml/itemProps2.xml><?xml version="1.0" encoding="utf-8"?>
-<ds:datastoreItem xmlns:ds="http://schemas.openxmlformats.org/officeDocument/2006/customXml" ds:itemID="{D465655C-0A27-4FE0-849C-B2049B69FC3D}">
-  <ds:schemaRefs>
-    <ds:schemaRef ds:uri="http://schemas.microsoft.com/sharepoint/v3/contenttype/forms"/>
-  </ds:schemaRefs>
-</ds:datastoreItem>
+<file path=customXml/item3.xml><?xml version="1.0" encoding="utf-8"?>
+<p:properties xmlns:p="http://schemas.microsoft.com/office/2006/metadata/properties" xmlns:xsi="http://www.w3.org/2001/XMLSchema-instance" xmlns:pc="http://schemas.microsoft.com/office/infopath/2007/PartnerControls">
+  <documentManagement/>
+</p:properties>
 </file>
 
-<file path=customXml/itemProps3.xml><?xml version="1.0" encoding="utf-8"?>
+<file path=customXml/itemProps1.xml><?xml version="1.0" encoding="utf-8"?>
 <ds:datastoreItem xmlns:ds="http://schemas.openxmlformats.org/officeDocument/2006/customXml" ds:itemID="{BE512C83-104F-4A7B-A5BC-7C10E5E4A425}">
   <ds:schemaRefs>
     <ds:schemaRef ds:uri="http://schemas.microsoft.com/office/2006/metadata/contentType"/>
@@ -10696,4 +10893,21 @@
     <ds:schemaRef ds:uri="http://schemas.microsoft.com/internal/obd"/>
   </ds:schemaRefs>
 </ds:datastoreItem>
+</file>
+
+<file path=customXml/itemProps2.xml><?xml version="1.0" encoding="utf-8"?>
+<ds:datastoreItem xmlns:ds="http://schemas.openxmlformats.org/officeDocument/2006/customXml" ds:itemID="{D465655C-0A27-4FE0-849C-B2049B69FC3D}">
+  <ds:schemaRefs>
+    <ds:schemaRef ds:uri="http://schemas.microsoft.com/sharepoint/v3/contenttype/forms"/>
+  </ds:schemaRefs>
+</ds:datastoreItem>
+</file>
+
+<file path=customXml/itemProps3.xml><?xml version="1.0" encoding="utf-8"?>
+<ds:datastoreItem xmlns:ds="http://schemas.openxmlformats.org/officeDocument/2006/customXml" ds:itemID="{D08BCB10-588F-4D07-B0A5-77649BC14DB8}">
+  <ds:schemaRefs>
+    <ds:schemaRef ds:uri="http://schemas.microsoft.com/office/2006/metadata/properties"/>
+    <ds:schemaRef ds:uri="http://schemas.microsoft.com/office/infopath/2007/PartnerControls"/>
+  </ds:schemaRefs>
+</ds:datastoreItem>
 </file>
--- a/assets/img/cv/cv.pptx
+++ b/assets/img/cv/cv.pptx
@@ -126,13 +126,253 @@
 <file path=ppt/revisionInfo.xml><?xml version="1.0" encoding="utf-8"?>
 <p1510:revInfo xmlns:a="http://schemas.openxmlformats.org/drawingml/2006/main" xmlns:r="http://schemas.openxmlformats.org/officeDocument/2006/relationships" xmlns:p1510="http://schemas.microsoft.com/office/powerpoint/2015/10/main">
   <p1510:revLst>
-    <p1510:client id="{72363C7E-2E8D-4A07-B2DD-B7E11F0D38A1}" v="2" dt="2021-05-10T09:22:02.238"/>
+    <p1510:client id="{0C371526-1DA3-4111-94CD-529F011404CA}" v="4" dt="2021-06-09T08:45:47.365"/>
   </p1510:revLst>
 </p1510:revInfo>
 </file>
 
 <file path=ppt/changesInfos/changesInfo1.xml><?xml version="1.0" encoding="utf-8"?>
 <pc:chgInfo xmlns:a="http://schemas.openxmlformats.org/drawingml/2006/main" xmlns:r="http://schemas.openxmlformats.org/officeDocument/2006/relationships" xmlns:ac="http://schemas.microsoft.com/office/drawing/2013/main/command" xmlns:pc="http://schemas.microsoft.com/office/powerpoint/2013/main/command">
+  <pc:docChgLst>
+    <pc:chgData name="Alexandre Cros" userId="c8f1d5c2-bdc3-4086-b0b9-1200566e78b1" providerId="ADAL" clId="{0C371526-1DA3-4111-94CD-529F011404CA}"/>
+    <pc:docChg chg="undo redo custSel modSld">
+      <pc:chgData name="Alexandre Cros" userId="c8f1d5c2-bdc3-4086-b0b9-1200566e78b1" providerId="ADAL" clId="{0C371526-1DA3-4111-94CD-529F011404CA}" dt="2021-06-09T08:45:56.286" v="343" actId="20577"/>
+      <pc:docMkLst>
+        <pc:docMk/>
+      </pc:docMkLst>
+      <pc:sldChg chg="delSp modSp mod">
+        <pc:chgData name="Alexandre Cros" userId="c8f1d5c2-bdc3-4086-b0b9-1200566e78b1" providerId="ADAL" clId="{0C371526-1DA3-4111-94CD-529F011404CA}" dt="2021-06-09T08:45:56.286" v="343" actId="20577"/>
+        <pc:sldMkLst>
+          <pc:docMk/>
+          <pc:sldMk cId="360026142" sldId="257"/>
+        </pc:sldMkLst>
+        <pc:spChg chg="mod">
+          <ac:chgData name="Alexandre Cros" userId="c8f1d5c2-bdc3-4086-b0b9-1200566e78b1" providerId="ADAL" clId="{0C371526-1DA3-4111-94CD-529F011404CA}" dt="2021-06-09T08:43:07.675" v="271" actId="1036"/>
+          <ac:spMkLst>
+            <pc:docMk/>
+            <pc:sldMk cId="360026142" sldId="257"/>
+            <ac:spMk id="73" creationId="{C32AB557-36E1-4AB9-81B8-DEA951E50908}"/>
+          </ac:spMkLst>
+        </pc:spChg>
+        <pc:spChg chg="mod">
+          <ac:chgData name="Alexandre Cros" userId="c8f1d5c2-bdc3-4086-b0b9-1200566e78b1" providerId="ADAL" clId="{0C371526-1DA3-4111-94CD-529F011404CA}" dt="2021-06-09T08:37:24.168" v="9" actId="20577"/>
+          <ac:spMkLst>
+            <pc:docMk/>
+            <pc:sldMk cId="360026142" sldId="257"/>
+            <ac:spMk id="85" creationId="{4AD192D1-399D-4ED9-8D96-26DB8406F201}"/>
+          </ac:spMkLst>
+        </pc:spChg>
+        <pc:spChg chg="mod">
+          <ac:chgData name="Alexandre Cros" userId="c8f1d5c2-bdc3-4086-b0b9-1200566e78b1" providerId="ADAL" clId="{0C371526-1DA3-4111-94CD-529F011404CA}" dt="2021-06-09T08:40:50.768" v="148" actId="1036"/>
+          <ac:spMkLst>
+            <pc:docMk/>
+            <pc:sldMk cId="360026142" sldId="257"/>
+            <ac:spMk id="89" creationId="{ABF19F78-F2A5-467E-9BCA-9FFC778137AE}"/>
+          </ac:spMkLst>
+        </pc:spChg>
+        <pc:spChg chg="del topLvl">
+          <ac:chgData name="Alexandre Cros" userId="c8f1d5c2-bdc3-4086-b0b9-1200566e78b1" providerId="ADAL" clId="{0C371526-1DA3-4111-94CD-529F011404CA}" dt="2021-06-09T08:45:14.897" v="326" actId="478"/>
+          <ac:spMkLst>
+            <pc:docMk/>
+            <pc:sldMk cId="360026142" sldId="257"/>
+            <ac:spMk id="106" creationId="{BB9D2F25-A63A-4A65-85C3-09A3F4E4A3A4}"/>
+          </ac:spMkLst>
+        </pc:spChg>
+        <pc:spChg chg="mod">
+          <ac:chgData name="Alexandre Cros" userId="c8f1d5c2-bdc3-4086-b0b9-1200566e78b1" providerId="ADAL" clId="{0C371526-1DA3-4111-94CD-529F011404CA}" dt="2021-06-09T08:45:01.268" v="324" actId="1035"/>
+          <ac:spMkLst>
+            <pc:docMk/>
+            <pc:sldMk cId="360026142" sldId="257"/>
+            <ac:spMk id="107" creationId="{008F1D09-2C5E-4C5B-BEC3-28CF3A669D19}"/>
+          </ac:spMkLst>
+        </pc:spChg>
+        <pc:spChg chg="mod">
+          <ac:chgData name="Alexandre Cros" userId="c8f1d5c2-bdc3-4086-b0b9-1200566e78b1" providerId="ADAL" clId="{0C371526-1DA3-4111-94CD-529F011404CA}" dt="2021-06-09T08:45:56.286" v="343" actId="20577"/>
+          <ac:spMkLst>
+            <pc:docMk/>
+            <pc:sldMk cId="360026142" sldId="257"/>
+            <ac:spMk id="119" creationId="{F716761B-21A7-437C-B794-D166F2FA35E9}"/>
+          </ac:spMkLst>
+        </pc:spChg>
+        <pc:spChg chg="mod">
+          <ac:chgData name="Alexandre Cros" userId="c8f1d5c2-bdc3-4086-b0b9-1200566e78b1" providerId="ADAL" clId="{0C371526-1DA3-4111-94CD-529F011404CA}" dt="2021-06-09T08:45:25.791" v="337" actId="1036"/>
+          <ac:spMkLst>
+            <pc:docMk/>
+            <pc:sldMk cId="360026142" sldId="257"/>
+            <ac:spMk id="129" creationId="{77DEA1BD-D3C6-4BB4-949F-232BDE397444}"/>
+          </ac:spMkLst>
+        </pc:spChg>
+        <pc:spChg chg="mod">
+          <ac:chgData name="Alexandre Cros" userId="c8f1d5c2-bdc3-4086-b0b9-1200566e78b1" providerId="ADAL" clId="{0C371526-1DA3-4111-94CD-529F011404CA}" dt="2021-06-09T08:45:06.927" v="325" actId="1035"/>
+          <ac:spMkLst>
+            <pc:docMk/>
+            <pc:sldMk cId="360026142" sldId="257"/>
+            <ac:spMk id="130" creationId="{FD24B904-DCB2-45C5-AE72-5D236B60977E}"/>
+          </ac:spMkLst>
+        </pc:spChg>
+        <pc:spChg chg="mod">
+          <ac:chgData name="Alexandre Cros" userId="c8f1d5c2-bdc3-4086-b0b9-1200566e78b1" providerId="ADAL" clId="{0C371526-1DA3-4111-94CD-529F011404CA}" dt="2021-06-09T08:44:52.237" v="316" actId="1036"/>
+          <ac:spMkLst>
+            <pc:docMk/>
+            <pc:sldMk cId="360026142" sldId="257"/>
+            <ac:spMk id="131" creationId="{D01445AB-5E9C-45C7-8CE5-36D7F2064F27}"/>
+          </ac:spMkLst>
+        </pc:spChg>
+        <pc:spChg chg="mod">
+          <ac:chgData name="Alexandre Cros" userId="c8f1d5c2-bdc3-4086-b0b9-1200566e78b1" providerId="ADAL" clId="{0C371526-1DA3-4111-94CD-529F011404CA}" dt="2021-06-09T08:44:43.849" v="303" actId="1036"/>
+          <ac:spMkLst>
+            <pc:docMk/>
+            <pc:sldMk cId="360026142" sldId="257"/>
+            <ac:spMk id="134" creationId="{26F52E56-10BF-4C9C-980C-BB11BD767775}"/>
+          </ac:spMkLst>
+        </pc:spChg>
+        <pc:spChg chg="mod">
+          <ac:chgData name="Alexandre Cros" userId="c8f1d5c2-bdc3-4086-b0b9-1200566e78b1" providerId="ADAL" clId="{0C371526-1DA3-4111-94CD-529F011404CA}" dt="2021-06-09T08:42:08.988" v="212" actId="1036"/>
+          <ac:spMkLst>
+            <pc:docMk/>
+            <pc:sldMk cId="360026142" sldId="257"/>
+            <ac:spMk id="145" creationId="{4FFDC8E7-38CB-43F1-911B-EAA82F70DC9F}"/>
+          </ac:spMkLst>
+        </pc:spChg>
+        <pc:spChg chg="mod">
+          <ac:chgData name="Alexandre Cros" userId="c8f1d5c2-bdc3-4086-b0b9-1200566e78b1" providerId="ADAL" clId="{0C371526-1DA3-4111-94CD-529F011404CA}" dt="2021-06-09T08:43:39.794" v="285" actId="1036"/>
+          <ac:spMkLst>
+            <pc:docMk/>
+            <pc:sldMk cId="360026142" sldId="257"/>
+            <ac:spMk id="148" creationId="{9B207F74-E664-4923-B7FC-0A648863B578}"/>
+          </ac:spMkLst>
+        </pc:spChg>
+        <pc:spChg chg="mod">
+          <ac:chgData name="Alexandre Cros" userId="c8f1d5c2-bdc3-4086-b0b9-1200566e78b1" providerId="ADAL" clId="{0C371526-1DA3-4111-94CD-529F011404CA}" dt="2021-06-09T08:44:33.454" v="302" actId="1035"/>
+          <ac:spMkLst>
+            <pc:docMk/>
+            <pc:sldMk cId="360026142" sldId="257"/>
+            <ac:spMk id="149" creationId="{B98D9ACC-AAEA-4ED4-90EE-CD1EEC0CCCBA}"/>
+          </ac:spMkLst>
+        </pc:spChg>
+        <pc:spChg chg="mod">
+          <ac:chgData name="Alexandre Cros" userId="c8f1d5c2-bdc3-4086-b0b9-1200566e78b1" providerId="ADAL" clId="{0C371526-1DA3-4111-94CD-529F011404CA}" dt="2021-06-09T08:43:29.838" v="281" actId="1036"/>
+          <ac:spMkLst>
+            <pc:docMk/>
+            <pc:sldMk cId="360026142" sldId="257"/>
+            <ac:spMk id="233" creationId="{00000000-0000-0000-0000-000000000000}"/>
+          </ac:spMkLst>
+        </pc:spChg>
+        <pc:spChg chg="mod">
+          <ac:chgData name="Alexandre Cros" userId="c8f1d5c2-bdc3-4086-b0b9-1200566e78b1" providerId="ADAL" clId="{0C371526-1DA3-4111-94CD-529F011404CA}" dt="2021-06-09T08:40:18.077" v="106" actId="2711"/>
+          <ac:spMkLst>
+            <pc:docMk/>
+            <pc:sldMk cId="360026142" sldId="257"/>
+            <ac:spMk id="241" creationId="{00000000-0000-0000-0000-000000000000}"/>
+          </ac:spMkLst>
+        </pc:spChg>
+        <pc:grpChg chg="mod">
+          <ac:chgData name="Alexandre Cros" userId="c8f1d5c2-bdc3-4086-b0b9-1200566e78b1" providerId="ADAL" clId="{0C371526-1DA3-4111-94CD-529F011404CA}" dt="2021-06-09T08:43:16.936" v="277" actId="1036"/>
+          <ac:grpSpMkLst>
+            <pc:docMk/>
+            <pc:sldMk cId="360026142" sldId="257"/>
+            <ac:grpSpMk id="4" creationId="{5D621C4C-0EE8-473C-B61C-4511573E040B}"/>
+          </ac:grpSpMkLst>
+        </pc:grpChg>
+        <pc:grpChg chg="del mod">
+          <ac:chgData name="Alexandre Cros" userId="c8f1d5c2-bdc3-4086-b0b9-1200566e78b1" providerId="ADAL" clId="{0C371526-1DA3-4111-94CD-529F011404CA}" dt="2021-06-09T08:45:14.897" v="326" actId="478"/>
+          <ac:grpSpMkLst>
+            <pc:docMk/>
+            <pc:sldMk cId="360026142" sldId="257"/>
+            <ac:grpSpMk id="13" creationId="{DACB29A5-0ACF-4718-8622-034484A0C502}"/>
+          </ac:grpSpMkLst>
+        </pc:grpChg>
+        <pc:grpChg chg="mod">
+          <ac:chgData name="Alexandre Cros" userId="c8f1d5c2-bdc3-4086-b0b9-1200566e78b1" providerId="ADAL" clId="{0C371526-1DA3-4111-94CD-529F011404CA}" dt="2021-06-09T08:40:41.718" v="145" actId="1035"/>
+          <ac:grpSpMkLst>
+            <pc:docMk/>
+            <pc:sldMk cId="360026142" sldId="257"/>
+            <ac:grpSpMk id="26" creationId="{A710F629-D758-4469-A5CF-CC4C071215A3}"/>
+          </ac:grpSpMkLst>
+        </pc:grpChg>
+        <pc:grpChg chg="mod">
+          <ac:chgData name="Alexandre Cros" userId="c8f1d5c2-bdc3-4086-b0b9-1200566e78b1" providerId="ADAL" clId="{0C371526-1DA3-4111-94CD-529F011404CA}" dt="2021-06-09T08:41:03.087" v="157" actId="1035"/>
+          <ac:grpSpMkLst>
+            <pc:docMk/>
+            <pc:sldMk cId="360026142" sldId="257"/>
+            <ac:grpSpMk id="29" creationId="{8878391A-7EAE-4EF6-A9B4-B858CBE95557}"/>
+          </ac:grpSpMkLst>
+        </pc:grpChg>
+        <pc:grpChg chg="mod">
+          <ac:chgData name="Alexandre Cros" userId="c8f1d5c2-bdc3-4086-b0b9-1200566e78b1" providerId="ADAL" clId="{0C371526-1DA3-4111-94CD-529F011404CA}" dt="2021-06-09T08:40:31.604" v="132" actId="1036"/>
+          <ac:grpSpMkLst>
+            <pc:docMk/>
+            <pc:sldMk cId="360026142" sldId="257"/>
+            <ac:grpSpMk id="31" creationId="{F0B233A7-3083-457C-867A-CEEEF25AC84C}"/>
+          </ac:grpSpMkLst>
+        </pc:grpChg>
+        <pc:grpChg chg="mod">
+          <ac:chgData name="Alexandre Cros" userId="c8f1d5c2-bdc3-4086-b0b9-1200566e78b1" providerId="ADAL" clId="{0C371526-1DA3-4111-94CD-529F011404CA}" dt="2021-06-09T08:43:39.794" v="285" actId="1036"/>
+          <ac:grpSpMkLst>
+            <pc:docMk/>
+            <pc:sldMk cId="360026142" sldId="257"/>
+            <ac:grpSpMk id="32" creationId="{C93C7EA1-2140-4361-866C-DAB8DD6A73E1}"/>
+          </ac:grpSpMkLst>
+        </pc:grpChg>
+        <pc:grpChg chg="mod">
+          <ac:chgData name="Alexandre Cros" userId="c8f1d5c2-bdc3-4086-b0b9-1200566e78b1" providerId="ADAL" clId="{0C371526-1DA3-4111-94CD-529F011404CA}" dt="2021-06-09T08:40:31.604" v="132" actId="1036"/>
+          <ac:grpSpMkLst>
+            <pc:docMk/>
+            <pc:sldMk cId="360026142" sldId="257"/>
+            <ac:grpSpMk id="35" creationId="{9F6E2881-8216-4735-ACA8-CFCE0FB8796E}"/>
+          </ac:grpSpMkLst>
+        </pc:grpChg>
+        <pc:grpChg chg="topLvl">
+          <ac:chgData name="Alexandre Cros" userId="c8f1d5c2-bdc3-4086-b0b9-1200566e78b1" providerId="ADAL" clId="{0C371526-1DA3-4111-94CD-529F011404CA}" dt="2021-06-09T08:45:14.897" v="326" actId="478"/>
+          <ac:grpSpMkLst>
+            <pc:docMk/>
+            <pc:sldMk cId="360026142" sldId="257"/>
+            <ac:grpSpMk id="39" creationId="{7CA6BAED-6A9A-40B7-B13C-BE384941EE8E}"/>
+          </ac:grpSpMkLst>
+        </pc:grpChg>
+        <pc:grpChg chg="mod">
+          <ac:chgData name="Alexandre Cros" userId="c8f1d5c2-bdc3-4086-b0b9-1200566e78b1" providerId="ADAL" clId="{0C371526-1DA3-4111-94CD-529F011404CA}" dt="2021-06-09T08:41:03.087" v="157" actId="1035"/>
+          <ac:grpSpMkLst>
+            <pc:docMk/>
+            <pc:sldMk cId="360026142" sldId="257"/>
+            <ac:grpSpMk id="44" creationId="{0083FB5E-4D91-4B62-8A8D-1A96DB704284}"/>
+          </ac:grpSpMkLst>
+        </pc:grpChg>
+        <pc:cxnChg chg="mod">
+          <ac:chgData name="Alexandre Cros" userId="c8f1d5c2-bdc3-4086-b0b9-1200566e78b1" providerId="ADAL" clId="{0C371526-1DA3-4111-94CD-529F011404CA}" dt="2021-06-09T08:44:11.945" v="288" actId="14100"/>
+          <ac:cxnSpMkLst>
+            <pc:docMk/>
+            <pc:sldMk cId="360026142" sldId="257"/>
+            <ac:cxnSpMk id="80" creationId="{28C1E7E5-B3AE-4B9A-928E-442A9E0B329C}"/>
+          </ac:cxnSpMkLst>
+        </pc:cxnChg>
+        <pc:cxnChg chg="mod">
+          <ac:chgData name="Alexandre Cros" userId="c8f1d5c2-bdc3-4086-b0b9-1200566e78b1" providerId="ADAL" clId="{0C371526-1DA3-4111-94CD-529F011404CA}" dt="2021-06-09T08:44:18.395" v="289" actId="14100"/>
+          <ac:cxnSpMkLst>
+            <pc:docMk/>
+            <pc:sldMk cId="360026142" sldId="257"/>
+            <ac:cxnSpMk id="97" creationId="{00000000-0000-0000-0000-000000000000}"/>
+          </ac:cxnSpMkLst>
+        </pc:cxnChg>
+        <pc:cxnChg chg="mod">
+          <ac:chgData name="Alexandre Cros" userId="c8f1d5c2-bdc3-4086-b0b9-1200566e78b1" providerId="ADAL" clId="{0C371526-1DA3-4111-94CD-529F011404CA}" dt="2021-06-09T08:43:54.787" v="286" actId="14100"/>
+          <ac:cxnSpMkLst>
+            <pc:docMk/>
+            <pc:sldMk cId="360026142" sldId="257"/>
+            <ac:cxnSpMk id="123" creationId="{00014DC2-2FED-4291-9B00-CAF18B92B395}"/>
+          </ac:cxnSpMkLst>
+        </pc:cxnChg>
+        <pc:cxnChg chg="mod">
+          <ac:chgData name="Alexandre Cros" userId="c8f1d5c2-bdc3-4086-b0b9-1200566e78b1" providerId="ADAL" clId="{0C371526-1DA3-4111-94CD-529F011404CA}" dt="2021-06-09T08:44:24.371" v="290" actId="14100"/>
+          <ac:cxnSpMkLst>
+            <pc:docMk/>
+            <pc:sldMk cId="360026142" sldId="257"/>
+            <ac:cxnSpMk id="147" creationId="{5562F376-08DC-49A8-8D33-5A511829995C}"/>
+          </ac:cxnSpMkLst>
+        </pc:cxnChg>
+      </pc:sldChg>
+    </pc:docChg>
+  </pc:docChgLst>
   <pc:docChgLst>
     <pc:chgData name="Alexandre Cros" userId="c8f1d5c2-bdc3-4086-b0b9-1200566e78b1" providerId="ADAL" clId="{DE5F6F0B-E632-40C3-8B7D-E05D5B58CE95}"/>
     <pc:docChg chg="undo custSel modSld">
@@ -2044,7 +2284,7 @@
             <a:fld id="{501F0ABF-A1AA-8A46-9A44-5DA2147EDBE4}" type="datetimeFigureOut">
               <a:rPr lang="fr-FR" smtClean="0"/>
               <a:pPr/>
-              <a:t>10/05/2021</a:t>
+              <a:t>09/06/2021</a:t>
             </a:fld>
             <a:endParaRPr lang="fr-FR" dirty="0"/>
           </a:p>
@@ -2211,7 +2451,7 @@
             <a:fld id="{501F0ABF-A1AA-8A46-9A44-5DA2147EDBE4}" type="datetimeFigureOut">
               <a:rPr lang="fr-FR" smtClean="0"/>
               <a:pPr/>
-              <a:t>10/05/2021</a:t>
+              <a:t>09/06/2021</a:t>
             </a:fld>
             <a:endParaRPr lang="fr-FR" dirty="0"/>
           </a:p>
@@ -2388,7 +2628,7 @@
             <a:fld id="{501F0ABF-A1AA-8A46-9A44-5DA2147EDBE4}" type="datetimeFigureOut">
               <a:rPr lang="fr-FR" smtClean="0"/>
               <a:pPr/>
-              <a:t>10/05/2021</a:t>
+              <a:t>09/06/2021</a:t>
             </a:fld>
             <a:endParaRPr lang="fr-FR" dirty="0"/>
           </a:p>
@@ -2555,7 +2795,7 @@
             <a:fld id="{501F0ABF-A1AA-8A46-9A44-5DA2147EDBE4}" type="datetimeFigureOut">
               <a:rPr lang="fr-FR" smtClean="0"/>
               <a:pPr/>
-              <a:t>10/05/2021</a:t>
+              <a:t>09/06/2021</a:t>
             </a:fld>
             <a:endParaRPr lang="fr-FR" dirty="0"/>
           </a:p>
@@ -2796,7 +3036,7 @@
             <a:fld id="{501F0ABF-A1AA-8A46-9A44-5DA2147EDBE4}" type="datetimeFigureOut">
               <a:rPr lang="fr-FR" smtClean="0"/>
               <a:pPr/>
-              <a:t>10/05/2021</a:t>
+              <a:t>09/06/2021</a:t>
             </a:fld>
             <a:endParaRPr lang="fr-FR" dirty="0"/>
           </a:p>
@@ -3025,7 +3265,7 @@
             <a:fld id="{501F0ABF-A1AA-8A46-9A44-5DA2147EDBE4}" type="datetimeFigureOut">
               <a:rPr lang="fr-FR" smtClean="0"/>
               <a:pPr/>
-              <a:t>10/05/2021</a:t>
+              <a:t>09/06/2021</a:t>
             </a:fld>
             <a:endParaRPr lang="fr-FR" dirty="0"/>
           </a:p>
@@ -3389,7 +3629,7 @@
             <a:fld id="{501F0ABF-A1AA-8A46-9A44-5DA2147EDBE4}" type="datetimeFigureOut">
               <a:rPr lang="fr-FR" smtClean="0"/>
               <a:pPr/>
-              <a:t>10/05/2021</a:t>
+              <a:t>09/06/2021</a:t>
             </a:fld>
             <a:endParaRPr lang="fr-FR" dirty="0"/>
           </a:p>
@@ -3504,7 +3744,7 @@
             <a:fld id="{501F0ABF-A1AA-8A46-9A44-5DA2147EDBE4}" type="datetimeFigureOut">
               <a:rPr lang="fr-FR" smtClean="0"/>
               <a:pPr/>
-              <a:t>10/05/2021</a:t>
+              <a:t>09/06/2021</a:t>
             </a:fld>
             <a:endParaRPr lang="fr-FR" dirty="0"/>
           </a:p>
@@ -3596,7 +3836,7 @@
             <a:fld id="{501F0ABF-A1AA-8A46-9A44-5DA2147EDBE4}" type="datetimeFigureOut">
               <a:rPr lang="fr-FR" smtClean="0"/>
               <a:pPr/>
-              <a:t>10/05/2021</a:t>
+              <a:t>09/06/2021</a:t>
             </a:fld>
             <a:endParaRPr lang="fr-FR" dirty="0"/>
           </a:p>
@@ -3870,7 +4110,7 @@
             <a:fld id="{501F0ABF-A1AA-8A46-9A44-5DA2147EDBE4}" type="datetimeFigureOut">
               <a:rPr lang="fr-FR" smtClean="0"/>
               <a:pPr/>
-              <a:t>10/05/2021</a:t>
+              <a:t>09/06/2021</a:t>
             </a:fld>
             <a:endParaRPr lang="fr-FR" dirty="0"/>
           </a:p>
@@ -4124,7 +4364,7 @@
             <a:fld id="{501F0ABF-A1AA-8A46-9A44-5DA2147EDBE4}" type="datetimeFigureOut">
               <a:rPr lang="fr-FR" smtClean="0"/>
               <a:pPr/>
-              <a:t>10/05/2021</a:t>
+              <a:t>09/06/2021</a:t>
             </a:fld>
             <a:endParaRPr lang="fr-FR" dirty="0"/>
           </a:p>
@@ -4334,7 +4574,7 @@
             <a:fld id="{501F0ABF-A1AA-8A46-9A44-5DA2147EDBE4}" type="datetimeFigureOut">
               <a:rPr lang="fr-FR" smtClean="0"/>
               <a:pPr/>
-              <a:t>10/05/2021</a:t>
+              <a:t>09/06/2021</a:t>
             </a:fld>
             <a:endParaRPr lang="fr-FR" dirty="0"/>
           </a:p>
@@ -5337,10 +5577,10 @@
         </p:nvGrpSpPr>
         <p:grpSpPr>
           <a:xfrm>
-            <a:off x="1943955" y="5782809"/>
-            <a:ext cx="5591628" cy="2075837"/>
+            <a:off x="1943955" y="5716134"/>
+            <a:ext cx="5591628" cy="2264478"/>
             <a:chOff x="1943955" y="4251110"/>
-            <a:chExt cx="5591628" cy="2075837"/>
+            <a:chExt cx="5591628" cy="2264478"/>
           </a:xfrm>
         </p:grpSpPr>
         <p:sp>
@@ -5357,7 +5597,7 @@
           </p:nvSpPr>
           <p:spPr>
             <a:xfrm>
-              <a:off x="1943955" y="5955034"/>
+              <a:off x="1943955" y="6421759"/>
               <a:ext cx="5591628" cy="93829"/>
             </a:xfrm>
             <a:prstGeom prst="rect">
@@ -5514,7 +5754,7 @@
           <p:spPr>
             <a:xfrm>
               <a:off x="2268881" y="4541843"/>
-              <a:ext cx="5208877" cy="1785104"/>
+              <a:ext cx="5208877" cy="1938992"/>
             </a:xfrm>
             <a:prstGeom prst="rect">
               <a:avLst/>
@@ -5550,7 +5790,88 @@
                   </a:solidFill>
                   <a:latin typeface="+mj-lt"/>
                 </a:rPr>
-                <a:t>Engineer Software Developer for Jaguar Land Rover</a:t>
+                <a:t>Engineer Software Developer for Jaguar Land Rover </a:t>
+              </a:r>
+              <a:r>
+                <a:rPr lang="en-US" sz="1000" dirty="0">
+                  <a:solidFill>
+                    <a:prstClr val="black"/>
+                  </a:solidFill>
+                  <a:latin typeface="+mj-lt"/>
+                </a:rPr>
+                <a:t>•</a:t>
+              </a:r>
+              <a:r>
+                <a:rPr lang="en-US" sz="1000" dirty="0">
+                  <a:solidFill>
+                    <a:prstClr val="black">
+                      <a:lumMod val="65000"/>
+                      <a:lumOff val="35000"/>
+                    </a:prstClr>
+                  </a:solidFill>
+                  <a:latin typeface="+mj-lt"/>
+                </a:rPr>
+                <a:t> </a:t>
+              </a:r>
+              <a:r>
+                <a:rPr lang="en-US" sz="1000" dirty="0">
+                  <a:solidFill>
+                    <a:srgbClr val="595959"/>
+                  </a:solidFill>
+                  <a:latin typeface="+mj-lt"/>
+                </a:rPr>
+                <a:t>Development in C++ </a:t>
+              </a:r>
+              <a:r>
+                <a:rPr lang="en-US" sz="1000" dirty="0">
+                  <a:solidFill>
+                    <a:prstClr val="black"/>
+                  </a:solidFill>
+                  <a:latin typeface="+mj-lt"/>
+                </a:rPr>
+                <a:t>•</a:t>
+              </a:r>
+              <a:r>
+                <a:rPr lang="en-US" sz="1000" dirty="0">
+                  <a:solidFill>
+                    <a:prstClr val="black">
+                      <a:lumMod val="65000"/>
+                      <a:lumOff val="35000"/>
+                    </a:prstClr>
+                  </a:solidFill>
+                  <a:latin typeface="+mj-lt"/>
+                </a:rPr>
+                <a:t>  Integration test using Shell scripts </a:t>
+              </a:r>
+              <a:r>
+                <a:rPr lang="en-US" sz="1000" dirty="0">
+                  <a:solidFill>
+                    <a:srgbClr val="595959"/>
+                  </a:solidFill>
+                  <a:latin typeface="+mj-lt"/>
+                </a:rPr>
+                <a:t>and unit tests</a:t>
+              </a:r>
+              <a:r>
+                <a:rPr lang="en-US" sz="1000" dirty="0">
+                  <a:solidFill>
+                    <a:prstClr val="black">
+                      <a:lumMod val="65000"/>
+                      <a:lumOff val="35000"/>
+                    </a:prstClr>
+                  </a:solidFill>
+                  <a:latin typeface="+mj-lt"/>
+                </a:rPr>
+                <a:t> </a:t>
+              </a:r>
+              <a:r>
+                <a:rPr lang="en-US" sz="1000" dirty="0">
+                  <a:solidFill>
+                    <a:srgbClr val="595959"/>
+                  </a:solidFill>
+                  <a:latin typeface="+mj-lt"/>
+                </a:rPr>
+                <a:t> </a:t>
               </a:r>
             </a:p>
             <a:p>
@@ -5821,7 +6142,7 @@
         </p:nvSpPr>
         <p:spPr>
           <a:xfrm>
-            <a:off x="1926252" y="9233569"/>
+            <a:off x="1926252" y="9424069"/>
             <a:ext cx="5609366" cy="93829"/>
           </a:xfrm>
           <a:prstGeom prst="rect">
@@ -6663,10 +6984,10 @@
         </p:nvGrpSpPr>
         <p:grpSpPr>
           <a:xfrm>
-            <a:off x="1926252" y="2684061"/>
-            <a:ext cx="5591628" cy="3167847"/>
+            <a:off x="1926252" y="2560236"/>
+            <a:ext cx="5591628" cy="3187610"/>
             <a:chOff x="1926252" y="1262852"/>
-            <a:chExt cx="5591628" cy="3167847"/>
+            <a:chExt cx="5591628" cy="3187610"/>
           </a:xfrm>
         </p:grpSpPr>
         <p:sp>
@@ -6683,7 +7004,7 @@
           </p:nvSpPr>
           <p:spPr>
             <a:xfrm>
-              <a:off x="1926252" y="4345157"/>
+              <a:off x="1926252" y="4373732"/>
               <a:ext cx="5591628" cy="76730"/>
             </a:xfrm>
             <a:prstGeom prst="rect">
@@ -6886,7 +7207,7 @@
                   </a:solidFill>
                   <a:latin typeface="+mj-lt"/>
                 </a:rPr>
-                <a:t>Oct 2020 – Now | Smart Cabin for STERELA and Airbus</a:t>
+                <a:t>Oct 2020 – Jan 2021 | Smart Cabin for STERELA and Airbus</a:t>
               </a:r>
             </a:p>
             <a:p>
@@ -7378,7 +7699,7 @@
         </p:nvGrpSpPr>
         <p:grpSpPr>
           <a:xfrm>
-            <a:off x="1929450" y="1519562"/>
+            <a:off x="1929450" y="1348112"/>
             <a:ext cx="5626069" cy="1212273"/>
             <a:chOff x="1926252" y="8118458"/>
             <a:chExt cx="5626069" cy="1212273"/>
@@ -7896,7 +8217,7 @@
         </p:nvGrpSpPr>
         <p:grpSpPr>
           <a:xfrm>
-            <a:off x="2259347" y="9297624"/>
+            <a:off x="2259347" y="9516699"/>
             <a:ext cx="5224118" cy="1162876"/>
             <a:chOff x="2259347" y="9297624"/>
             <a:chExt cx="5224118" cy="1162876"/>
@@ -8054,6 +8375,40 @@
                   <a:solidFill>
                     <a:srgbClr val="595959"/>
                   </a:solidFill>
+                </a:rPr>
+                <a:t>C++</a:t>
+              </a:r>
+              <a:r>
+                <a:rPr lang="en-US" sz="1000" dirty="0">
+                  <a:solidFill>
+                    <a:schemeClr val="tx1">
+                      <a:lumMod val="65000"/>
+                      <a:lumOff val="35000"/>
+                    </a:schemeClr>
+                  </a:solidFill>
+                </a:rPr>
+                <a:t> </a:t>
+              </a:r>
+              <a:r>
+                <a:rPr lang="en-US" sz="1000" b="1" dirty="0"/>
+                <a:t>•</a:t>
+              </a:r>
+              <a:r>
+                <a:rPr lang="en-US" sz="1000" b="1" dirty="0">
+                  <a:solidFill>
+                    <a:schemeClr val="tx1">
+                      <a:lumMod val="65000"/>
+                      <a:lumOff val="35000"/>
+                    </a:schemeClr>
+                  </a:solidFill>
+                </a:rPr>
+                <a:t> </a:t>
+              </a:r>
+              <a:r>
+                <a:rPr lang="en-US" sz="1000" dirty="0">
+                  <a:solidFill>
+                    <a:srgbClr val="595959"/>
+                  </a:solidFill>
                   <a:latin typeface="+mj-lt"/>
                 </a:rPr>
                 <a:t>C</a:t>
@@ -8600,7 +8955,7 @@
                   </a:solidFill>
                   <a:latin typeface="+mj-lt"/>
                 </a:rPr>
-                <a:t>C++ </a:t>
+                <a:t>Multi-threading </a:t>
               </a:r>
               <a:r>
                 <a:rPr lang="en-US" sz="1000" b="1" dirty="0">
@@ -8630,49 +8985,7 @@
                   </a:solidFill>
                   <a:latin typeface="+mj-lt"/>
                 </a:rPr>
-                <a:t>Multi-threading </a:t>
-              </a:r>
-              <a:r>
-                <a:rPr lang="en-US" sz="1000" b="1" dirty="0">
-                  <a:latin typeface="+mj-lt"/>
-                </a:rPr>
-                <a:t>•</a:t>
-              </a:r>
-              <a:r>
-                <a:rPr lang="en-US" sz="1000" b="1" dirty="0">
-                  <a:solidFill>
-                    <a:schemeClr val="tx1">
-                      <a:lumMod val="65000"/>
-                      <a:lumOff val="35000"/>
-                    </a:schemeClr>
-                  </a:solidFill>
-                  <a:latin typeface="+mj-lt"/>
-                </a:rPr>
-                <a:t> </a:t>
-              </a:r>
-              <a:r>
-                <a:rPr lang="en-US" sz="1000" dirty="0" err="1">
-                  <a:solidFill>
-                    <a:schemeClr val="tx1">
-                      <a:lumMod val="65000"/>
-                      <a:lumOff val="35000"/>
-                    </a:schemeClr>
-                  </a:solidFill>
-                  <a:latin typeface="+mj-lt"/>
-                </a:rPr>
-                <a:t>Sigfox</a:t>
-              </a:r>
-              <a:r>
-                <a:rPr lang="en-US" sz="1000" dirty="0">
-                  <a:solidFill>
-                    <a:schemeClr val="tx1">
-                      <a:lumMod val="65000"/>
-                      <a:lumOff val="35000"/>
-                    </a:schemeClr>
-                  </a:solidFill>
-                  <a:latin typeface="+mj-lt"/>
-                </a:rPr>
-                <a:t> technology </a:t>
+                <a:t>Sigfox technology </a:t>
               </a:r>
               <a:r>
                 <a:rPr lang="en-US" sz="1000" b="1" dirty="0">
@@ -8836,7 +9149,7 @@
         </p:nvGrpSpPr>
         <p:grpSpPr>
           <a:xfrm>
-            <a:off x="2085771" y="1849955"/>
+            <a:off x="2085771" y="1678505"/>
             <a:ext cx="90049" cy="766948"/>
             <a:chOff x="2085771" y="1613735"/>
             <a:chExt cx="90049" cy="766948"/>
@@ -9074,10 +9387,10 @@
         </p:nvGrpSpPr>
         <p:grpSpPr>
           <a:xfrm>
-            <a:off x="2092556" y="6118351"/>
-            <a:ext cx="92124" cy="1512138"/>
+            <a:off x="2092556" y="6051676"/>
+            <a:ext cx="92124" cy="1749299"/>
             <a:chOff x="2092556" y="5600191"/>
-            <a:chExt cx="92124" cy="1512138"/>
+            <a:chExt cx="92124" cy="1749299"/>
           </a:xfrm>
         </p:grpSpPr>
         <p:cxnSp>
@@ -9095,9 +9408,9 @@
             <p:nvPr/>
           </p:nvCxnSpPr>
           <p:spPr>
-            <a:xfrm flipH="1">
-              <a:off x="2135215" y="5600191"/>
-              <a:ext cx="2" cy="1512138"/>
+            <a:xfrm>
+              <a:off x="2135217" y="5600191"/>
+              <a:ext cx="0" cy="1749299"/>
             </a:xfrm>
             <a:prstGeom prst="line">
               <a:avLst/>
@@ -9137,7 +9450,7 @@
           </p:nvSpPr>
           <p:spPr>
             <a:xfrm>
-              <a:off x="2092556" y="5644292"/>
+              <a:off x="2092556" y="5634767"/>
               <a:ext cx="90047" cy="90047"/>
             </a:xfrm>
             <a:prstGeom prst="ellipse">
@@ -9195,7 +9508,7 @@
           </p:nvSpPr>
           <p:spPr>
             <a:xfrm>
-              <a:off x="2094633" y="6708595"/>
+              <a:off x="2094633" y="6851470"/>
               <a:ext cx="90047" cy="90047"/>
             </a:xfrm>
             <a:prstGeom prst="ellipse">
@@ -9254,7 +9567,7 @@
         </p:nvGrpSpPr>
         <p:grpSpPr>
           <a:xfrm>
-            <a:off x="2094353" y="7757906"/>
+            <a:off x="2094353" y="7948406"/>
             <a:ext cx="5398647" cy="1488707"/>
             <a:chOff x="2094353" y="7757906"/>
             <a:chExt cx="5398647" cy="1488707"/>
@@ -9271,7 +9584,7 @@
           <p:spPr>
             <a:xfrm>
               <a:off x="2135217" y="8086615"/>
-              <a:ext cx="0" cy="1095485"/>
+              <a:ext cx="0" cy="1024999"/>
             </a:xfrm>
             <a:prstGeom prst="line">
               <a:avLst/>
@@ -9657,7 +9970,7 @@
           </p:nvSpPr>
           <p:spPr>
             <a:xfrm>
-              <a:off x="2094353" y="8156840"/>
+              <a:off x="2094353" y="8166365"/>
               <a:ext cx="90047" cy="90047"/>
             </a:xfrm>
             <a:prstGeom prst="ellipse">
@@ -9776,8 +10089,8 @@
         </p:nvCxnSpPr>
         <p:spPr>
           <a:xfrm>
-            <a:off x="2135216" y="9614589"/>
-            <a:ext cx="1" cy="779281"/>
+            <a:off x="2135216" y="9833664"/>
+            <a:ext cx="0" cy="692794"/>
           </a:xfrm>
           <a:prstGeom prst="line">
             <a:avLst/>
@@ -9817,7 +10130,7 @@
         </p:nvSpPr>
         <p:spPr>
           <a:xfrm>
-            <a:off x="2093831" y="9682267"/>
+            <a:off x="2093831" y="9901342"/>
             <a:ext cx="90047" cy="90047"/>
           </a:xfrm>
           <a:prstGeom prst="ellipse">
@@ -9875,7 +10188,7 @@
         </p:nvSpPr>
         <p:spPr>
           <a:xfrm>
-            <a:off x="2093829" y="10134705"/>
+            <a:off x="2093829" y="10353780"/>
             <a:ext cx="90047" cy="90047"/>
           </a:xfrm>
           <a:prstGeom prst="ellipse">
@@ -9921,10 +10234,10 @@
       </p:sp>
       <p:grpSp>
         <p:nvGrpSpPr>
-          <p:cNvPr id="13" name="Groupe 12">
+          <p:cNvPr id="39" name="Groupe 38">
             <a:extLst>
               <a:ext uri="{FF2B5EF4-FFF2-40B4-BE49-F238E27FC236}">
-                <a16:creationId xmlns:a16="http://schemas.microsoft.com/office/drawing/2014/main" id="{DACB29A5-0ACF-4718-8622-034484A0C502}"/>
+                <a16:creationId xmlns:a16="http://schemas.microsoft.com/office/drawing/2014/main" id="{7CA6BAED-6A9A-40B7-B13C-BE384941EE8E}"/>
               </a:ext>
             </a:extLst>
           </p:cNvPr>
@@ -9933,372 +10246,61 @@
         </p:nvGrpSpPr>
         <p:grpSpPr>
           <a:xfrm>
-            <a:off x="2085771" y="3023654"/>
+            <a:off x="2085771" y="2899829"/>
             <a:ext cx="91766" cy="2652737"/>
             <a:chOff x="2085771" y="2787434"/>
             <a:chExt cx="91766" cy="2652737"/>
           </a:xfrm>
         </p:grpSpPr>
-        <p:grpSp>
-          <p:nvGrpSpPr>
-            <p:cNvPr id="39" name="Groupe 38">
+        <p:cxnSp>
+          <p:nvCxnSpPr>
+            <p:cNvPr id="123" name="Connecteur droit 122">
               <a:extLst>
                 <a:ext uri="{FF2B5EF4-FFF2-40B4-BE49-F238E27FC236}">
-                  <a16:creationId xmlns:a16="http://schemas.microsoft.com/office/drawing/2014/main" id="{7CA6BAED-6A9A-40B7-B13C-BE384941EE8E}"/>
+                  <a16:creationId xmlns:a16="http://schemas.microsoft.com/office/drawing/2014/main" id="{00014DC2-2FED-4291-9B00-CAF18B92B395}"/>
                 </a:ext>
               </a:extLst>
             </p:cNvPr>
-            <p:cNvGrpSpPr/>
+            <p:cNvCxnSpPr>
+              <a:cxnSpLocks/>
+            </p:cNvCxnSpPr>
             <p:nvPr/>
-          </p:nvGrpSpPr>
-          <p:grpSpPr>
+          </p:nvCxnSpPr>
+          <p:spPr>
             <a:xfrm>
-              <a:off x="2085771" y="2787434"/>
-              <a:ext cx="91766" cy="2652737"/>
-              <a:chOff x="2085771" y="2787434"/>
-              <a:chExt cx="91766" cy="2652737"/>
+              <a:off x="2128418" y="2787434"/>
+              <a:ext cx="0" cy="2652737"/>
             </a:xfrm>
-          </p:grpSpPr>
-          <p:cxnSp>
-            <p:nvCxnSpPr>
-              <p:cNvPr id="123" name="Connecteur droit 122">
-                <a:extLst>
-                  <a:ext uri="{FF2B5EF4-FFF2-40B4-BE49-F238E27FC236}">
-                    <a16:creationId xmlns:a16="http://schemas.microsoft.com/office/drawing/2014/main" id="{00014DC2-2FED-4291-9B00-CAF18B92B395}"/>
-                  </a:ext>
-                </a:extLst>
-              </p:cNvPr>
-              <p:cNvCxnSpPr>
-                <a:cxnSpLocks/>
-              </p:cNvCxnSpPr>
-              <p:nvPr/>
-            </p:nvCxnSpPr>
-            <p:spPr>
-              <a:xfrm>
-                <a:off x="2128418" y="2787434"/>
-                <a:ext cx="6391" cy="2652737"/>
-              </a:xfrm>
-              <a:prstGeom prst="line">
-                <a:avLst/>
-              </a:prstGeom>
-              <a:ln w="6350">
-                <a:solidFill>
-                  <a:srgbClr val="0070C0"/>
-                </a:solidFill>
-              </a:ln>
-            </p:spPr>
-            <p:style>
-              <a:lnRef idx="2">
-                <a:schemeClr val="accent1"/>
-              </a:lnRef>
-              <a:fillRef idx="0">
-                <a:schemeClr val="accent1"/>
-              </a:fillRef>
-              <a:effectRef idx="1">
-                <a:schemeClr val="accent1"/>
-              </a:effectRef>
-              <a:fontRef idx="minor">
-                <a:schemeClr val="tx1"/>
-              </a:fontRef>
-            </p:style>
-          </p:cxnSp>
-          <p:sp>
-            <p:nvSpPr>
-              <p:cNvPr id="124" name="Oval 63">
-                <a:extLst>
-                  <a:ext uri="{FF2B5EF4-FFF2-40B4-BE49-F238E27FC236}">
-                    <a16:creationId xmlns:a16="http://schemas.microsoft.com/office/drawing/2014/main" id="{0BB70765-2AA1-47A6-9B94-96E2D5D879CD}"/>
-                  </a:ext>
-                </a:extLst>
-              </p:cNvPr>
-              <p:cNvSpPr/>
-              <p:nvPr/>
-            </p:nvSpPr>
-            <p:spPr>
-              <a:xfrm>
-                <a:off x="2085773" y="2837068"/>
-                <a:ext cx="90047" cy="90047"/>
-              </a:xfrm>
-              <a:prstGeom prst="ellipse">
-                <a:avLst/>
-              </a:prstGeom>
+            <a:prstGeom prst="line">
+              <a:avLst/>
+            </a:prstGeom>
+            <a:ln w="6350">
               <a:solidFill>
-                <a:schemeClr val="tx1">
-                  <a:lumMod val="75000"/>
-                  <a:lumOff val="25000"/>
-                </a:schemeClr>
+                <a:srgbClr val="0070C0"/>
               </a:solidFill>
-              <a:ln>
-                <a:noFill/>
-              </a:ln>
-              <a:effectLst/>
-            </p:spPr>
-            <p:style>
-              <a:lnRef idx="1">
-                <a:schemeClr val="accent1"/>
-              </a:lnRef>
-              <a:fillRef idx="3">
-                <a:schemeClr val="accent1"/>
-              </a:fillRef>
-              <a:effectRef idx="2">
-                <a:schemeClr val="accent1"/>
-              </a:effectRef>
-              <a:fontRef idx="minor">
-                <a:schemeClr val="lt1"/>
-              </a:fontRef>
-            </p:style>
-            <p:txBody>
-              <a:bodyPr rtlCol="0" anchor="ctr"/>
-              <a:lstStyle/>
-              <a:p>
-                <a:pPr algn="ctr"/>
-                <a:endParaRPr lang="fr-FR" sz="1943">
-                  <a:latin typeface="+mj-lt"/>
-                  <a:ea typeface="Arial" charset="0"/>
-                  <a:cs typeface="Arial" charset="0"/>
-                </a:endParaRPr>
-              </a:p>
-            </p:txBody>
-          </p:sp>
-          <p:sp>
-            <p:nvSpPr>
-              <p:cNvPr id="125" name="Oval 63">
-                <a:extLst>
-                  <a:ext uri="{FF2B5EF4-FFF2-40B4-BE49-F238E27FC236}">
-                    <a16:creationId xmlns:a16="http://schemas.microsoft.com/office/drawing/2014/main" id="{1EAD2F72-5905-4751-93D6-BECDBDAF12B5}"/>
-                  </a:ext>
-                </a:extLst>
-              </p:cNvPr>
-              <p:cNvSpPr/>
-              <p:nvPr/>
-            </p:nvSpPr>
-            <p:spPr>
-              <a:xfrm>
-                <a:off x="2085773" y="3291890"/>
-                <a:ext cx="90047" cy="90047"/>
-              </a:xfrm>
-              <a:prstGeom prst="ellipse">
-                <a:avLst/>
-              </a:prstGeom>
-              <a:solidFill>
-                <a:schemeClr val="tx1">
-                  <a:lumMod val="75000"/>
-                  <a:lumOff val="25000"/>
-                </a:schemeClr>
-              </a:solidFill>
-              <a:ln>
-                <a:noFill/>
-              </a:ln>
-              <a:effectLst/>
-            </p:spPr>
-            <p:style>
-              <a:lnRef idx="1">
-                <a:schemeClr val="accent1"/>
-              </a:lnRef>
-              <a:fillRef idx="3">
-                <a:schemeClr val="accent1"/>
-              </a:fillRef>
-              <a:effectRef idx="2">
-                <a:schemeClr val="accent1"/>
-              </a:effectRef>
-              <a:fontRef idx="minor">
-                <a:schemeClr val="lt1"/>
-              </a:fontRef>
-            </p:style>
-            <p:txBody>
-              <a:bodyPr rtlCol="0" anchor="ctr"/>
-              <a:lstStyle/>
-              <a:p>
-                <a:pPr algn="ctr"/>
-                <a:endParaRPr lang="fr-FR" sz="1943">
-                  <a:latin typeface="+mj-lt"/>
-                  <a:ea typeface="Arial" charset="0"/>
-                  <a:cs typeface="Arial" charset="0"/>
-                </a:endParaRPr>
-              </a:p>
-            </p:txBody>
-          </p:sp>
-          <p:sp>
-            <p:nvSpPr>
-              <p:cNvPr id="126" name="Oval 63">
-                <a:extLst>
-                  <a:ext uri="{FF2B5EF4-FFF2-40B4-BE49-F238E27FC236}">
-                    <a16:creationId xmlns:a16="http://schemas.microsoft.com/office/drawing/2014/main" id="{C42762C1-A5C8-404F-A2B2-5154F8EF4C90}"/>
-                  </a:ext>
-                </a:extLst>
-              </p:cNvPr>
-              <p:cNvSpPr/>
-              <p:nvPr/>
-            </p:nvSpPr>
-            <p:spPr>
-              <a:xfrm>
-                <a:off x="2085771" y="3899109"/>
-                <a:ext cx="90047" cy="90047"/>
-              </a:xfrm>
-              <a:prstGeom prst="ellipse">
-                <a:avLst/>
-              </a:prstGeom>
-              <a:solidFill>
-                <a:schemeClr val="tx1">
-                  <a:lumMod val="75000"/>
-                  <a:lumOff val="25000"/>
-                </a:schemeClr>
-              </a:solidFill>
-              <a:ln>
-                <a:noFill/>
-              </a:ln>
-              <a:effectLst/>
-            </p:spPr>
-            <p:style>
-              <a:lnRef idx="1">
-                <a:schemeClr val="accent1"/>
-              </a:lnRef>
-              <a:fillRef idx="3">
-                <a:schemeClr val="accent1"/>
-              </a:fillRef>
-              <a:effectRef idx="2">
-                <a:schemeClr val="accent1"/>
-              </a:effectRef>
-              <a:fontRef idx="minor">
-                <a:schemeClr val="lt1"/>
-              </a:fontRef>
-            </p:style>
-            <p:txBody>
-              <a:bodyPr rtlCol="0" anchor="ctr"/>
-              <a:lstStyle/>
-              <a:p>
-                <a:pPr algn="ctr"/>
-                <a:endParaRPr lang="fr-FR" sz="1943">
-                  <a:latin typeface="+mj-lt"/>
-                  <a:ea typeface="Arial" charset="0"/>
-                  <a:cs typeface="Arial" charset="0"/>
-                </a:endParaRPr>
-              </a:p>
-            </p:txBody>
-          </p:sp>
-          <p:sp>
-            <p:nvSpPr>
-              <p:cNvPr id="127" name="Oval 63">
-                <a:extLst>
-                  <a:ext uri="{FF2B5EF4-FFF2-40B4-BE49-F238E27FC236}">
-                    <a16:creationId xmlns:a16="http://schemas.microsoft.com/office/drawing/2014/main" id="{9429C686-D176-42D7-8727-F0CBF04EABAE}"/>
-                  </a:ext>
-                </a:extLst>
-              </p:cNvPr>
-              <p:cNvSpPr/>
-              <p:nvPr/>
-            </p:nvSpPr>
-            <p:spPr>
-              <a:xfrm>
-                <a:off x="2087490" y="4360875"/>
-                <a:ext cx="90047" cy="90047"/>
-              </a:xfrm>
-              <a:prstGeom prst="ellipse">
-                <a:avLst/>
-              </a:prstGeom>
-              <a:solidFill>
-                <a:schemeClr val="tx1">
-                  <a:lumMod val="75000"/>
-                  <a:lumOff val="25000"/>
-                </a:schemeClr>
-              </a:solidFill>
-              <a:ln>
-                <a:noFill/>
-              </a:ln>
-              <a:effectLst/>
-            </p:spPr>
-            <p:style>
-              <a:lnRef idx="1">
-                <a:schemeClr val="accent1"/>
-              </a:lnRef>
-              <a:fillRef idx="3">
-                <a:schemeClr val="accent1"/>
-              </a:fillRef>
-              <a:effectRef idx="2">
-                <a:schemeClr val="accent1"/>
-              </a:effectRef>
-              <a:fontRef idx="minor">
-                <a:schemeClr val="lt1"/>
-              </a:fontRef>
-            </p:style>
-            <p:txBody>
-              <a:bodyPr rtlCol="0" anchor="ctr"/>
-              <a:lstStyle/>
-              <a:p>
-                <a:pPr algn="ctr"/>
-                <a:endParaRPr lang="fr-FR" sz="1943">
-                  <a:latin typeface="+mj-lt"/>
-                  <a:ea typeface="Arial" charset="0"/>
-                  <a:cs typeface="Arial" charset="0"/>
-                </a:endParaRPr>
-              </a:p>
-            </p:txBody>
-          </p:sp>
-          <p:sp>
-            <p:nvSpPr>
-              <p:cNvPr id="129" name="Oval 63">
-                <a:extLst>
-                  <a:ext uri="{FF2B5EF4-FFF2-40B4-BE49-F238E27FC236}">
-                    <a16:creationId xmlns:a16="http://schemas.microsoft.com/office/drawing/2014/main" id="{77DEA1BD-D3C6-4BB4-949F-232BDE397444}"/>
-                  </a:ext>
-                </a:extLst>
-              </p:cNvPr>
-              <p:cNvSpPr/>
-              <p:nvPr/>
-            </p:nvSpPr>
-            <p:spPr>
-              <a:xfrm>
-                <a:off x="2085771" y="4817871"/>
-                <a:ext cx="90047" cy="90047"/>
-              </a:xfrm>
-              <a:prstGeom prst="ellipse">
-                <a:avLst/>
-              </a:prstGeom>
-              <a:solidFill>
-                <a:schemeClr val="tx1">
-                  <a:lumMod val="75000"/>
-                  <a:lumOff val="25000"/>
-                </a:schemeClr>
-              </a:solidFill>
-              <a:ln>
-                <a:noFill/>
-              </a:ln>
-              <a:effectLst/>
-            </p:spPr>
-            <p:style>
-              <a:lnRef idx="1">
-                <a:schemeClr val="accent1"/>
-              </a:lnRef>
-              <a:fillRef idx="3">
-                <a:schemeClr val="accent1"/>
-              </a:fillRef>
-              <a:effectRef idx="2">
-                <a:schemeClr val="accent1"/>
-              </a:effectRef>
-              <a:fontRef idx="minor">
-                <a:schemeClr val="lt1"/>
-              </a:fontRef>
-            </p:style>
-            <p:txBody>
-              <a:bodyPr rtlCol="0" anchor="ctr"/>
-              <a:lstStyle/>
-              <a:p>
-                <a:pPr algn="ctr"/>
-                <a:endParaRPr lang="fr-FR" sz="1943">
-                  <a:latin typeface="+mj-lt"/>
-                  <a:ea typeface="Arial" charset="0"/>
-                  <a:cs typeface="Arial" charset="0"/>
-                </a:endParaRPr>
-              </a:p>
-            </p:txBody>
-          </p:sp>
-        </p:grpSp>
+            </a:ln>
+          </p:spPr>
+          <p:style>
+            <a:lnRef idx="2">
+              <a:schemeClr val="accent1"/>
+            </a:lnRef>
+            <a:fillRef idx="0">
+              <a:schemeClr val="accent1"/>
+            </a:fillRef>
+            <a:effectRef idx="1">
+              <a:schemeClr val="accent1"/>
+            </a:effectRef>
+            <a:fontRef idx="minor">
+              <a:schemeClr val="tx1"/>
+            </a:fontRef>
+          </p:style>
+        </p:cxnSp>
         <p:sp>
           <p:nvSpPr>
-            <p:cNvPr id="106" name="Oval 63">
+            <p:cNvPr id="124" name="Oval 63">
               <a:extLst>
                 <a:ext uri="{FF2B5EF4-FFF2-40B4-BE49-F238E27FC236}">
-                  <a16:creationId xmlns:a16="http://schemas.microsoft.com/office/drawing/2014/main" id="{BB9D2F25-A63A-4A65-85C3-09A3F4E4A3A4}"/>
+                  <a16:creationId xmlns:a16="http://schemas.microsoft.com/office/drawing/2014/main" id="{0BB70765-2AA1-47A6-9B94-96E2D5D879CD}"/>
                 </a:ext>
               </a:extLst>
             </p:cNvPr>
@@ -10307,7 +10309,239 @@
           </p:nvSpPr>
           <p:spPr>
             <a:xfrm>
-              <a:off x="2085771" y="5122671"/>
+              <a:off x="2085773" y="2837068"/>
+              <a:ext cx="90047" cy="90047"/>
+            </a:xfrm>
+            <a:prstGeom prst="ellipse">
+              <a:avLst/>
+            </a:prstGeom>
+            <a:solidFill>
+              <a:schemeClr val="tx1">
+                <a:lumMod val="75000"/>
+                <a:lumOff val="25000"/>
+              </a:schemeClr>
+            </a:solidFill>
+            <a:ln>
+              <a:noFill/>
+            </a:ln>
+            <a:effectLst/>
+          </p:spPr>
+          <p:style>
+            <a:lnRef idx="1">
+              <a:schemeClr val="accent1"/>
+            </a:lnRef>
+            <a:fillRef idx="3">
+              <a:schemeClr val="accent1"/>
+            </a:fillRef>
+            <a:effectRef idx="2">
+              <a:schemeClr val="accent1"/>
+            </a:effectRef>
+            <a:fontRef idx="minor">
+              <a:schemeClr val="lt1"/>
+            </a:fontRef>
+          </p:style>
+          <p:txBody>
+            <a:bodyPr rtlCol="0" anchor="ctr"/>
+            <a:lstStyle/>
+            <a:p>
+              <a:pPr algn="ctr"/>
+              <a:endParaRPr lang="fr-FR" sz="1943">
+                <a:latin typeface="+mj-lt"/>
+                <a:ea typeface="Arial" charset="0"/>
+                <a:cs typeface="Arial" charset="0"/>
+              </a:endParaRPr>
+            </a:p>
+          </p:txBody>
+        </p:sp>
+        <p:sp>
+          <p:nvSpPr>
+            <p:cNvPr id="125" name="Oval 63">
+              <a:extLst>
+                <a:ext uri="{FF2B5EF4-FFF2-40B4-BE49-F238E27FC236}">
+                  <a16:creationId xmlns:a16="http://schemas.microsoft.com/office/drawing/2014/main" id="{1EAD2F72-5905-4751-93D6-BECDBDAF12B5}"/>
+                </a:ext>
+              </a:extLst>
+            </p:cNvPr>
+            <p:cNvSpPr/>
+            <p:nvPr/>
+          </p:nvSpPr>
+          <p:spPr>
+            <a:xfrm>
+              <a:off x="2085773" y="3291890"/>
+              <a:ext cx="90047" cy="90047"/>
+            </a:xfrm>
+            <a:prstGeom prst="ellipse">
+              <a:avLst/>
+            </a:prstGeom>
+            <a:solidFill>
+              <a:schemeClr val="tx1">
+                <a:lumMod val="75000"/>
+                <a:lumOff val="25000"/>
+              </a:schemeClr>
+            </a:solidFill>
+            <a:ln>
+              <a:noFill/>
+            </a:ln>
+            <a:effectLst/>
+          </p:spPr>
+          <p:style>
+            <a:lnRef idx="1">
+              <a:schemeClr val="accent1"/>
+            </a:lnRef>
+            <a:fillRef idx="3">
+              <a:schemeClr val="accent1"/>
+            </a:fillRef>
+            <a:effectRef idx="2">
+              <a:schemeClr val="accent1"/>
+            </a:effectRef>
+            <a:fontRef idx="minor">
+              <a:schemeClr val="lt1"/>
+            </a:fontRef>
+          </p:style>
+          <p:txBody>
+            <a:bodyPr rtlCol="0" anchor="ctr"/>
+            <a:lstStyle/>
+            <a:p>
+              <a:pPr algn="ctr"/>
+              <a:endParaRPr lang="fr-FR" sz="1943">
+                <a:latin typeface="+mj-lt"/>
+                <a:ea typeface="Arial" charset="0"/>
+                <a:cs typeface="Arial" charset="0"/>
+              </a:endParaRPr>
+            </a:p>
+          </p:txBody>
+        </p:sp>
+        <p:sp>
+          <p:nvSpPr>
+            <p:cNvPr id="126" name="Oval 63">
+              <a:extLst>
+                <a:ext uri="{FF2B5EF4-FFF2-40B4-BE49-F238E27FC236}">
+                  <a16:creationId xmlns:a16="http://schemas.microsoft.com/office/drawing/2014/main" id="{C42762C1-A5C8-404F-A2B2-5154F8EF4C90}"/>
+                </a:ext>
+              </a:extLst>
+            </p:cNvPr>
+            <p:cNvSpPr/>
+            <p:nvPr/>
+          </p:nvSpPr>
+          <p:spPr>
+            <a:xfrm>
+              <a:off x="2085771" y="3899109"/>
+              <a:ext cx="90047" cy="90047"/>
+            </a:xfrm>
+            <a:prstGeom prst="ellipse">
+              <a:avLst/>
+            </a:prstGeom>
+            <a:solidFill>
+              <a:schemeClr val="tx1">
+                <a:lumMod val="75000"/>
+                <a:lumOff val="25000"/>
+              </a:schemeClr>
+            </a:solidFill>
+            <a:ln>
+              <a:noFill/>
+            </a:ln>
+            <a:effectLst/>
+          </p:spPr>
+          <p:style>
+            <a:lnRef idx="1">
+              <a:schemeClr val="accent1"/>
+            </a:lnRef>
+            <a:fillRef idx="3">
+              <a:schemeClr val="accent1"/>
+            </a:fillRef>
+            <a:effectRef idx="2">
+              <a:schemeClr val="accent1"/>
+            </a:effectRef>
+            <a:fontRef idx="minor">
+              <a:schemeClr val="lt1"/>
+            </a:fontRef>
+          </p:style>
+          <p:txBody>
+            <a:bodyPr rtlCol="0" anchor="ctr"/>
+            <a:lstStyle/>
+            <a:p>
+              <a:pPr algn="ctr"/>
+              <a:endParaRPr lang="fr-FR" sz="1943">
+                <a:latin typeface="+mj-lt"/>
+                <a:ea typeface="Arial" charset="0"/>
+                <a:cs typeface="Arial" charset="0"/>
+              </a:endParaRPr>
+            </a:p>
+          </p:txBody>
+        </p:sp>
+        <p:sp>
+          <p:nvSpPr>
+            <p:cNvPr id="127" name="Oval 63">
+              <a:extLst>
+                <a:ext uri="{FF2B5EF4-FFF2-40B4-BE49-F238E27FC236}">
+                  <a16:creationId xmlns:a16="http://schemas.microsoft.com/office/drawing/2014/main" id="{9429C686-D176-42D7-8727-F0CBF04EABAE}"/>
+                </a:ext>
+              </a:extLst>
+            </p:cNvPr>
+            <p:cNvSpPr/>
+            <p:nvPr/>
+          </p:nvSpPr>
+          <p:spPr>
+            <a:xfrm>
+              <a:off x="2087490" y="4360875"/>
+              <a:ext cx="90047" cy="90047"/>
+            </a:xfrm>
+            <a:prstGeom prst="ellipse">
+              <a:avLst/>
+            </a:prstGeom>
+            <a:solidFill>
+              <a:schemeClr val="tx1">
+                <a:lumMod val="75000"/>
+                <a:lumOff val="25000"/>
+              </a:schemeClr>
+            </a:solidFill>
+            <a:ln>
+              <a:noFill/>
+            </a:ln>
+            <a:effectLst/>
+          </p:spPr>
+          <p:style>
+            <a:lnRef idx="1">
+              <a:schemeClr val="accent1"/>
+            </a:lnRef>
+            <a:fillRef idx="3">
+              <a:schemeClr val="accent1"/>
+            </a:fillRef>
+            <a:effectRef idx="2">
+              <a:schemeClr val="accent1"/>
+            </a:effectRef>
+            <a:fontRef idx="minor">
+              <a:schemeClr val="lt1"/>
+            </a:fontRef>
+          </p:style>
+          <p:txBody>
+            <a:bodyPr rtlCol="0" anchor="ctr"/>
+            <a:lstStyle/>
+            <a:p>
+              <a:pPr algn="ctr"/>
+              <a:endParaRPr lang="fr-FR" sz="1943">
+                <a:latin typeface="+mj-lt"/>
+                <a:ea typeface="Arial" charset="0"/>
+                <a:cs typeface="Arial" charset="0"/>
+              </a:endParaRPr>
+            </a:p>
+          </p:txBody>
+        </p:sp>
+        <p:sp>
+          <p:nvSpPr>
+            <p:cNvPr id="129" name="Oval 63">
+              <a:extLst>
+                <a:ext uri="{FF2B5EF4-FFF2-40B4-BE49-F238E27FC236}">
+                  <a16:creationId xmlns:a16="http://schemas.microsoft.com/office/drawing/2014/main" id="{77DEA1BD-D3C6-4BB4-949F-232BDE397444}"/>
+                </a:ext>
+              </a:extLst>
+            </p:cNvPr>
+            <p:cNvSpPr/>
+            <p:nvPr/>
+          </p:nvSpPr>
+          <p:spPr>
+            <a:xfrm>
+              <a:off x="2085771" y="4665471"/>
               <a:ext cx="90047" cy="90047"/>
             </a:xfrm>
             <a:prstGeom prst="ellipse">
@@ -10366,7 +10600,7 @@
         </p:nvSpPr>
         <p:spPr>
           <a:xfrm>
-            <a:off x="2092556" y="6479952"/>
+            <a:off x="2092556" y="6537102"/>
             <a:ext cx="90047" cy="90047"/>
           </a:xfrm>
           <a:prstGeom prst="ellipse">
@@ -10685,6 +10919,21 @@
 </file>
 
 <file path=customXml/item1.xml><?xml version="1.0" encoding="utf-8"?>
+<p:properties xmlns:p="http://schemas.microsoft.com/office/2006/metadata/properties" xmlns:xsi="http://www.w3.org/2001/XMLSchema-instance" xmlns:pc="http://schemas.microsoft.com/office/infopath/2007/PartnerControls">
+  <documentManagement/>
+</p:properties>
+</file>
+
+<file path=customXml/item2.xml><?xml version="1.0" encoding="utf-8"?>
+<?mso-contentType ?>
+<FormTemplates xmlns="http://schemas.microsoft.com/sharepoint/v3/contenttype/forms">
+  <Display>DocumentLibraryForm</Display>
+  <Edit>DocumentLibraryForm</Edit>
+  <New>DocumentLibraryForm</New>
+</FormTemplates>
+</file>
+
+<file path=customXml/item3.xml><?xml version="1.0" encoding="utf-8"?>
 <ct:contentTypeSchema xmlns:ct="http://schemas.microsoft.com/office/2006/metadata/contentType" xmlns:ma="http://schemas.microsoft.com/office/2006/metadata/properties/metaAttributes" ct:_="" ma:_="" ma:contentTypeName="Document" ma:contentTypeID="0x010100C97D7E2F38EDEE41AEFF314FED6B7990" ma:contentTypeVersion="9" ma:contentTypeDescription="Crée un document." ma:contentTypeScope="" ma:versionID="180b248c979ebab90f0f1f9a3cd115c3">
   <xsd:schema xmlns:xsd="http://www.w3.org/2001/XMLSchema" xmlns:xs="http://www.w3.org/2001/XMLSchema" xmlns:p="http://schemas.microsoft.com/office/2006/metadata/properties" xmlns:ns3="5a9da74d-7411-451a-9852-e5933d36d9e1" targetNamespace="http://schemas.microsoft.com/office/2006/metadata/properties" ma:root="true" ma:fieldsID="5f5887fcf7f12cccf0f48985536646a4" ns3:_="">
     <xsd:import namespace="5a9da74d-7411-451a-9852-e5933d36d9e1"/>
@@ -10862,22 +11111,24 @@
 </ct:contentTypeSchema>
 </file>
 
-<file path=customXml/item2.xml><?xml version="1.0" encoding="utf-8"?>
-<?mso-contentType ?>
-<FormTemplates xmlns="http://schemas.microsoft.com/sharepoint/v3/contenttype/forms">
-  <Display>DocumentLibraryForm</Display>
-  <Edit>DocumentLibraryForm</Edit>
-  <New>DocumentLibraryForm</New>
-</FormTemplates>
+<file path=customXml/itemProps1.xml><?xml version="1.0" encoding="utf-8"?>
+<ds:datastoreItem xmlns:ds="http://schemas.openxmlformats.org/officeDocument/2006/customXml" ds:itemID="{D08BCB10-588F-4D07-B0A5-77649BC14DB8}">
+  <ds:schemaRefs>
+    <ds:schemaRef ds:uri="http://schemas.microsoft.com/office/2006/metadata/properties"/>
+    <ds:schemaRef ds:uri="http://schemas.microsoft.com/office/infopath/2007/PartnerControls"/>
+  </ds:schemaRefs>
+</ds:datastoreItem>
 </file>
 
-<file path=customXml/item3.xml><?xml version="1.0" encoding="utf-8"?>
-<p:properties xmlns:p="http://schemas.microsoft.com/office/2006/metadata/properties" xmlns:xsi="http://www.w3.org/2001/XMLSchema-instance" xmlns:pc="http://schemas.microsoft.com/office/infopath/2007/PartnerControls">
-  <documentManagement/>
-</p:properties>
+<file path=customXml/itemProps2.xml><?xml version="1.0" encoding="utf-8"?>
+<ds:datastoreItem xmlns:ds="http://schemas.openxmlformats.org/officeDocument/2006/customXml" ds:itemID="{D465655C-0A27-4FE0-849C-B2049B69FC3D}">
+  <ds:schemaRefs>
+    <ds:schemaRef ds:uri="http://schemas.microsoft.com/sharepoint/v3/contenttype/forms"/>
+  </ds:schemaRefs>
+</ds:datastoreItem>
 </file>
 
-<file path=customXml/itemProps1.xml><?xml version="1.0" encoding="utf-8"?>
+<file path=customXml/itemProps3.xml><?xml version="1.0" encoding="utf-8"?>
 <ds:datastoreItem xmlns:ds="http://schemas.openxmlformats.org/officeDocument/2006/customXml" ds:itemID="{BE512C83-104F-4A7B-A5BC-7C10E5E4A425}">
   <ds:schemaRefs>
     <ds:schemaRef ds:uri="http://schemas.microsoft.com/office/2006/metadata/contentType"/>
@@ -10893,21 +11144,4 @@
     <ds:schemaRef ds:uri="http://schemas.microsoft.com/internal/obd"/>
   </ds:schemaRefs>
 </ds:datastoreItem>
-</file>
-
-<file path=customXml/itemProps2.xml><?xml version="1.0" encoding="utf-8"?>
-<ds:datastoreItem xmlns:ds="http://schemas.openxmlformats.org/officeDocument/2006/customXml" ds:itemID="{D465655C-0A27-4FE0-849C-B2049B69FC3D}">
-  <ds:schemaRefs>
-    <ds:schemaRef ds:uri="http://schemas.microsoft.com/sharepoint/v3/contenttype/forms"/>
-  </ds:schemaRefs>
-</ds:datastoreItem>
-</file>
-
-<file path=customXml/itemProps3.xml><?xml version="1.0" encoding="utf-8"?>
-<ds:datastoreItem xmlns:ds="http://schemas.openxmlformats.org/officeDocument/2006/customXml" ds:itemID="{D08BCB10-588F-4D07-B0A5-77649BC14DB8}">
-  <ds:schemaRefs>
-    <ds:schemaRef ds:uri="http://schemas.microsoft.com/office/2006/metadata/properties"/>
-    <ds:schemaRef ds:uri="http://schemas.microsoft.com/office/infopath/2007/PartnerControls"/>
-  </ds:schemaRefs>
-</ds:datastoreItem>
 </file>